--- a/Local Adaptive SVM for Object Recognition.pptx
+++ b/Local Adaptive SVM for Object Recognition.pptx
@@ -269,7 +269,7 @@
           <a:p>
             <a:fld id="{3D3C0004-2429-4EF5-90FF-6D920603CCA6}" type="datetimeFigureOut">
               <a:rPr lang="en-US" smtClean="0"/>
-              <a:t>06/10/2014</a:t>
+              <a:t>15/10/2014</a:t>
             </a:fld>
             <a:endParaRPr lang="en-US"/>
           </a:p>
@@ -434,7 +434,7 @@
           <a:p>
             <a:fld id="{338C645B-E694-4194-92C0-EC8651A1DDF6}" type="datetimeFigureOut">
               <a:rPr lang="en-US" smtClean="0"/>
-              <a:t>06/10/2014</a:t>
+              <a:t>15/10/2014</a:t>
             </a:fld>
             <a:endParaRPr lang="en-US"/>
           </a:p>
@@ -752,8 +752,13 @@
             </a:r>
             <a:r>
               <a:rPr lang="en-US" baseline="0" smtClean="0"/>
-              <a:t> 1.0</a:t>
-            </a:r>
+              <a:t> </a:t>
+            </a:r>
+            <a:r>
+              <a:rPr lang="en-US" baseline="0" smtClean="0"/>
+              <a:t>1.1</a:t>
+            </a:r>
+            <a:endParaRPr lang="en-US" baseline="0" smtClean="0"/>
           </a:p>
           <a:p>
             <a:r>
@@ -762,7 +767,7 @@
             </a:r>
             <a:r>
               <a:rPr lang="en-US" baseline="0" smtClean="0"/>
-              <a:t>06, </a:t>
+              <a:t>15, </a:t>
             </a:r>
             <a:r>
               <a:rPr lang="en-US" baseline="0" smtClean="0"/>
@@ -5228,7 +5233,23 @@
                   <a:srgbClr val="000000"/>
                 </a:solidFill>
               </a:rPr>
-              <a:t> – 1311058</a:t>
+              <a:t> </a:t>
+            </a:r>
+            <a:r>
+              <a:rPr lang="en-US" sz="1600" b="1" smtClean="0">
+                <a:solidFill>
+                  <a:srgbClr val="000000"/>
+                </a:solidFill>
+              </a:rPr>
+              <a:t>- </a:t>
+            </a:r>
+            <a:r>
+              <a:rPr lang="en-US" sz="1600" b="1" smtClean="0">
+                <a:solidFill>
+                  <a:srgbClr val="000000"/>
+                </a:solidFill>
+              </a:rPr>
+              <a:t>1311058</a:t>
             </a:r>
           </a:p>
           <a:p>
@@ -5324,7 +5345,7 @@
         </p:nvSpPr>
         <p:spPr>
           <a:xfrm>
-            <a:off x="2961701" y="2634218"/>
+            <a:off x="3352800" y="2551211"/>
             <a:ext cx="3967817" cy="369332"/>
           </a:xfrm>
           <a:prstGeom prst="rect">
@@ -5437,13 +5458,13 @@
   <p:clrMapOvr>
     <a:masterClrMapping/>
   </p:clrMapOvr>
-  <mc:AlternateContent xmlns:mc="http://schemas.openxmlformats.org/markup-compatibility/2006">
-    <mc:Choice xmlns:p14="http://schemas.microsoft.com/office/powerpoint/2010/main" Requires="p14">
+  <mc:AlternateContent xmlns:mc="http://schemas.openxmlformats.org/markup-compatibility/2006" xmlns:p14="http://schemas.microsoft.com/office/powerpoint/2010/main">
+    <mc:Choice Requires="p14">
       <p:transition spd="slow" p14:dur="1500">
         <p:random/>
       </p:transition>
     </mc:Choice>
-    <mc:Fallback>
+    <mc:Fallback xmlns="">
       <p:transition spd="slow">
         <p:random/>
       </p:transition>
@@ -5896,13 +5917,13 @@
   <p:clrMapOvr>
     <a:masterClrMapping/>
   </p:clrMapOvr>
-  <mc:AlternateContent xmlns:mc="http://schemas.openxmlformats.org/markup-compatibility/2006">
-    <mc:Choice xmlns:p14="http://schemas.microsoft.com/office/powerpoint/2010/main" Requires="p14">
+  <mc:AlternateContent xmlns:mc="http://schemas.openxmlformats.org/markup-compatibility/2006" xmlns:p14="http://schemas.microsoft.com/office/powerpoint/2010/main">
+    <mc:Choice Requires="p14">
       <p:transition spd="slow" p14:dur="1500">
         <p:random/>
       </p:transition>
     </mc:Choice>
-    <mc:Fallback>
+    <mc:Fallback xmlns="">
       <p:transition spd="slow">
         <p:random/>
       </p:transition>
@@ -5987,11 +6008,7 @@
             </a:r>
             <a:r>
               <a:rPr lang="en-US" smtClean="0"/>
-              <a:t>classification performance </a:t>
-            </a:r>
-            <a:r>
-              <a:rPr lang="en-US" smtClean="0"/>
-              <a:t>- </a:t>
+              <a:t>classification performance - </a:t>
             </a:r>
             <a:r>
               <a:rPr lang="en-US"/>
@@ -6069,13 +6086,13 @@
   <p:clrMapOvr>
     <a:masterClrMapping/>
   </p:clrMapOvr>
-  <mc:AlternateContent xmlns:mc="http://schemas.openxmlformats.org/markup-compatibility/2006">
-    <mc:Choice xmlns:p14="http://schemas.microsoft.com/office/powerpoint/2010/main" Requires="p14">
+  <mc:AlternateContent xmlns:mc="http://schemas.openxmlformats.org/markup-compatibility/2006" xmlns:p14="http://schemas.microsoft.com/office/powerpoint/2010/main">
+    <mc:Choice Requires="p14">
       <p:transition spd="slow" p14:dur="1500">
         <p:random/>
       </p:transition>
     </mc:Choice>
-    <mc:Fallback>
+    <mc:Fallback xmlns="">
       <p:transition spd="slow">
         <p:random/>
       </p:transition>
@@ -6326,13 +6343,13 @@
   <p:clrMapOvr>
     <a:masterClrMapping/>
   </p:clrMapOvr>
-  <mc:AlternateContent xmlns:mc="http://schemas.openxmlformats.org/markup-compatibility/2006">
-    <mc:Choice xmlns:p14="http://schemas.microsoft.com/office/powerpoint/2010/main" Requires="p14">
+  <mc:AlternateContent xmlns:mc="http://schemas.openxmlformats.org/markup-compatibility/2006" xmlns:p14="http://schemas.microsoft.com/office/powerpoint/2010/main">
+    <mc:Choice Requires="p14">
       <p:transition spd="slow" p14:dur="1500">
         <p:random/>
       </p:transition>
     </mc:Choice>
-    <mc:Fallback>
+    <mc:Fallback xmlns="">
       <p:transition spd="slow">
         <p:random/>
       </p:transition>
@@ -6387,8 +6404,8 @@
           </a:p>
         </p:txBody>
       </p:sp>
-      <mc:AlternateContent xmlns:mc="http://schemas.openxmlformats.org/markup-compatibility/2006">
-        <mc:Choice xmlns:a14="http://schemas.microsoft.com/office/drawing/2010/main" Requires="a14">
+      <mc:AlternateContent xmlns:mc="http://schemas.openxmlformats.org/markup-compatibility/2006" xmlns:a14="http://schemas.microsoft.com/office/drawing/2010/main">
+        <mc:Choice Requires="a14">
           <p:sp>
             <p:nvSpPr>
               <p:cNvPr id="3" name="Content Placeholder 2"/>
@@ -6433,6 +6450,7 @@
                                   <a:lumMod val="50000"/>
                                 </a:schemeClr>
                               </a:solidFill>
+                              <a:latin typeface="Cambria Math" panose="02040503050406030204" pitchFamily="18" charset="0"/>
                             </a:rPr>
                           </m:ctrlPr>
                         </m:sSupPr>
@@ -6444,6 +6462,7 @@
                                   <a:lumMod val="50000"/>
                                 </a:schemeClr>
                               </a:solidFill>
+                              <a:latin typeface="Cambria Math" panose="02040503050406030204" pitchFamily="18" charset="0"/>
                             </a:rPr>
                             <m:t>𝜎</m:t>
                           </m:r>
@@ -6456,6 +6475,7 @@
                                   <a:lumMod val="50000"/>
                                 </a:schemeClr>
                               </a:solidFill>
+                              <a:latin typeface="Cambria Math" panose="02040503050406030204" pitchFamily="18" charset="0"/>
                             </a:rPr>
                             <m:t>2</m:t>
                           </m:r>
@@ -6468,6 +6488,7 @@
                               <a:lumMod val="50000"/>
                             </a:schemeClr>
                           </a:solidFill>
+                          <a:latin typeface="Cambria Math" panose="02040503050406030204" pitchFamily="18" charset="0"/>
                         </a:rPr>
                         <m:t> = </m:t>
                       </m:r>
@@ -6480,6 +6501,7 @@
                                   <a:lumMod val="50000"/>
                                 </a:schemeClr>
                               </a:solidFill>
+                              <a:latin typeface="Cambria Math" panose="02040503050406030204" pitchFamily="18" charset="0"/>
                             </a:rPr>
                           </m:ctrlPr>
                         </m:fPr>
@@ -6491,6 +6513,7 @@
                                   <a:lumMod val="50000"/>
                                 </a:schemeClr>
                               </a:solidFill>
+                              <a:latin typeface="Cambria Math" panose="02040503050406030204" pitchFamily="18" charset="0"/>
                             </a:rPr>
                             <m:t>1</m:t>
                           </m:r>
@@ -6503,6 +6526,7 @@
                                   <a:lumMod val="50000"/>
                                 </a:schemeClr>
                               </a:solidFill>
+                              <a:latin typeface="Cambria Math" panose="02040503050406030204" pitchFamily="18" charset="0"/>
                             </a:rPr>
                             <m:t>𝑁</m:t>
                           </m:r>
@@ -6519,6 +6543,7 @@
                                   <a:lumMod val="50000"/>
                                 </a:schemeClr>
                               </a:solidFill>
+                              <a:latin typeface="Cambria Math" panose="02040503050406030204" pitchFamily="18" charset="0"/>
                             </a:rPr>
                           </m:ctrlPr>
                         </m:naryPr>
@@ -6530,6 +6555,7 @@
                                   <a:lumMod val="50000"/>
                                 </a:schemeClr>
                               </a:solidFill>
+                              <a:latin typeface="Cambria Math" panose="02040503050406030204" pitchFamily="18" charset="0"/>
                             </a:rPr>
                             <m:t>𝑖</m:t>
                           </m:r>
@@ -6540,6 +6566,7 @@
                                   <a:lumMod val="50000"/>
                                 </a:schemeClr>
                               </a:solidFill>
+                              <a:latin typeface="Cambria Math" panose="02040503050406030204" pitchFamily="18" charset="0"/>
                             </a:rPr>
                             <m:t>=1</m:t>
                           </m:r>
@@ -6552,6 +6579,7 @@
                                   <a:lumMod val="50000"/>
                                 </a:schemeClr>
                               </a:solidFill>
+                              <a:latin typeface="Cambria Math" panose="02040503050406030204" pitchFamily="18" charset="0"/>
                             </a:rPr>
                             <m:t>𝑁</m:t>
                           </m:r>
@@ -6566,6 +6594,7 @@
                                       <a:lumMod val="50000"/>
                                     </a:schemeClr>
                                   </a:solidFill>
+                                  <a:latin typeface="Cambria Math" panose="02040503050406030204" pitchFamily="18" charset="0"/>
                                 </a:rPr>
                               </m:ctrlPr>
                             </m:sSubSupPr>
@@ -6577,6 +6606,7 @@
                                       <a:lumMod val="50000"/>
                                     </a:schemeClr>
                                   </a:solidFill>
+                                  <a:latin typeface="Cambria Math" panose="02040503050406030204" pitchFamily="18" charset="0"/>
                                 </a:rPr>
                                 <m:t>𝑑</m:t>
                               </m:r>
@@ -6589,6 +6619,7 @@
                                       <a:lumMod val="50000"/>
                                     </a:schemeClr>
                                   </a:solidFill>
+                                  <a:latin typeface="Cambria Math" panose="02040503050406030204" pitchFamily="18" charset="0"/>
                                 </a:rPr>
                                 <m:t>𝑖</m:t>
                               </m:r>
@@ -6601,6 +6632,7 @@
                                       <a:lumMod val="50000"/>
                                     </a:schemeClr>
                                   </a:solidFill>
+                                  <a:latin typeface="Cambria Math" panose="02040503050406030204" pitchFamily="18" charset="0"/>
                                 </a:rPr>
                                 <m:t>2</m:t>
                               </m:r>
@@ -6630,11 +6662,7 @@
                 </a14:m>
                 <a:r>
                   <a:rPr lang="en-US"/>
-                  <a:t> as </a:t>
-                </a:r>
-                <a:r>
-                  <a:rPr lang="en-US"/>
-                  <a:t>the </a:t>
+                  <a:t> as the </a:t>
                 </a:r>
                 <a:r>
                   <a:rPr lang="en-US" smtClean="0"/>
@@ -6642,11 +6670,7 @@
                 </a:r>
                 <a:r>
                   <a:rPr lang="en-US"/>
-                  <a:t>of all points in the neighborhood will </a:t>
-                </a:r>
-                <a:r>
-                  <a:rPr lang="en-US"/>
-                  <a:t>be </a:t>
+                  <a:t>of all points in the neighborhood will be </a:t>
                 </a:r>
                 <a:r>
                   <a:rPr lang="en-US" smtClean="0"/>
@@ -6660,7 +6684,7 @@
             </p:txBody>
           </p:sp>
         </mc:Choice>
-        <mc:Fallback>
+        <mc:Fallback xmlns="">
           <p:sp>
             <p:nvSpPr>
               <p:cNvPr id="3" name="Content Placeholder 2"/>
@@ -6732,13 +6756,13 @@
   <p:clrMapOvr>
     <a:masterClrMapping/>
   </p:clrMapOvr>
-  <mc:AlternateContent xmlns:mc="http://schemas.openxmlformats.org/markup-compatibility/2006">
-    <mc:Choice xmlns:p14="http://schemas.microsoft.com/office/powerpoint/2010/main" Requires="p14">
+  <mc:AlternateContent xmlns:mc="http://schemas.openxmlformats.org/markup-compatibility/2006" xmlns:p14="http://schemas.microsoft.com/office/powerpoint/2010/main">
+    <mc:Choice Requires="p14">
       <p:transition spd="slow" p14:dur="1500">
         <p:random/>
       </p:transition>
     </mc:Choice>
-    <mc:Fallback>
+    <mc:Fallback xmlns="">
       <p:transition spd="slow">
         <p:random/>
       </p:transition>
@@ -6832,8 +6856,8 @@
         </p:nvGrpSpPr>
         <p:grpSpPr bwMode="auto">
           <a:xfrm>
-            <a:off x="1452563" y="1444625"/>
-            <a:ext cx="5768975" cy="4575175"/>
+            <a:off x="1452563" y="1444624"/>
+            <a:ext cx="5768975" cy="4575176"/>
             <a:chOff x="915" y="785"/>
             <a:chExt cx="3634" cy="2882"/>
           </a:xfrm>
@@ -6919,7 +6943,7 @@
             <p:nvPr/>
           </p:nvSpPr>
           <p:spPr bwMode="gray">
-            <a:xfrm rot="-743917">
+            <a:xfrm rot="20856083">
               <a:off x="1845" y="2038"/>
               <a:ext cx="636" cy="109"/>
             </a:xfrm>
@@ -9749,13 +9773,13 @@
   <p:clrMapOvr>
     <a:masterClrMapping/>
   </p:clrMapOvr>
-  <mc:AlternateContent xmlns:mc="http://schemas.openxmlformats.org/markup-compatibility/2006">
-    <mc:Choice xmlns:p14="http://schemas.microsoft.com/office/powerpoint/2010/main" Requires="p14">
+  <mc:AlternateContent xmlns:mc="http://schemas.openxmlformats.org/markup-compatibility/2006" xmlns:p14="http://schemas.microsoft.com/office/powerpoint/2010/main">
+    <mc:Choice Requires="p14">
       <p:transition spd="slow" p14:dur="1500">
         <p:random/>
       </p:transition>
     </mc:Choice>
-    <mc:Fallback>
+    <mc:Fallback xmlns="">
       <p:transition spd="slow">
         <p:random/>
       </p:transition>
@@ -9855,11 +9879,7 @@
             </a:r>
             <a:r>
               <a:rPr lang="en-US" smtClean="0"/>
-              <a:t>in computational </a:t>
-            </a:r>
-            <a:r>
-              <a:rPr lang="en-US" smtClean="0"/>
-              <a:t>efficiency. Therefore</a:t>
+              <a:t>in computational efficiency. Therefore</a:t>
             </a:r>
             <a:r>
               <a:rPr lang="en-US"/>
@@ -9905,11 +9925,7 @@
             </a:r>
             <a:r>
               <a:rPr lang="en-US" smtClean="0"/>
-              <a:t>adaptive eighborhood </a:t>
-            </a:r>
-            <a:r>
-              <a:rPr lang="en-US" smtClean="0"/>
-              <a:t>of the </a:t>
+              <a:t>adaptive eighborhood of the </a:t>
             </a:r>
             <a:r>
               <a:rPr lang="en-US"/>
@@ -9960,13 +9976,13 @@
   <p:clrMapOvr>
     <a:masterClrMapping/>
   </p:clrMapOvr>
-  <mc:AlternateContent xmlns:mc="http://schemas.openxmlformats.org/markup-compatibility/2006">
-    <mc:Choice xmlns:p14="http://schemas.microsoft.com/office/powerpoint/2010/main" Requires="p14">
+  <mc:AlternateContent xmlns:mc="http://schemas.openxmlformats.org/markup-compatibility/2006" xmlns:p14="http://schemas.microsoft.com/office/powerpoint/2010/main">
+    <mc:Choice Requires="p14">
       <p:transition spd="slow" p14:dur="1500">
         <p:random/>
       </p:transition>
     </mc:Choice>
-    <mc:Fallback>
+    <mc:Fallback xmlns="">
       <p:transition spd="slow">
         <p:random/>
       </p:transition>
@@ -10038,110 +10054,74 @@
           <a:p>
             <a:r>
               <a:rPr lang="en-US"/>
-              <a:t>LASVM vs</a:t>
+              <a:t>LASVM vs. </a:t>
+            </a:r>
+            <a:r>
+              <a:rPr lang="en-US" smtClean="0"/>
+              <a:t>Curse-of-Dimensionality </a:t>
             </a:r>
             <a:r>
               <a:rPr lang="en-US"/>
-              <a:t>. </a:t>
-            </a:r>
-            <a:r>
-              <a:rPr lang="en-US" smtClean="0"/>
-              <a:t>Curse-of-Dimensionality </a:t>
-            </a:r>
+              <a:t>(COD</a:t>
+            </a:r>
+            <a:r>
+              <a:rPr lang="en-US" smtClean="0"/>
+              <a:t>)</a:t>
+            </a:r>
+          </a:p>
+          <a:p>
+            <a:pPr lvl="1"/>
             <a:r>
               <a:rPr lang="en-US"/>
-              <a:t>(</a:t>
-            </a:r>
+              <a:t>SVM classifiers are not immune to </a:t>
+            </a:r>
+            <a:r>
+              <a:rPr lang="en-US" smtClean="0"/>
+              <a:t>COD.</a:t>
+            </a:r>
+          </a:p>
+          <a:p>
+            <a:pPr lvl="1"/>
             <a:r>
               <a:rPr lang="en-US"/>
-              <a:t>COD</a:t>
-            </a:r>
-            <a:r>
-              <a:rPr lang="en-US" smtClean="0"/>
-              <a:t>)</a:t>
+              <a:t>LASVM employs the strategy of modifying the </a:t>
+            </a:r>
+            <a:r>
+              <a:rPr lang="en-US" smtClean="0"/>
+              <a:t>distance metric.</a:t>
             </a:r>
           </a:p>
           <a:p>
             <a:pPr lvl="1"/>
             <a:r>
+              <a:rPr lang="en-US" smtClean="0"/>
+              <a:t>Kernel to </a:t>
+            </a:r>
+            <a:r>
               <a:rPr lang="en-US"/>
-              <a:t>SVM classifiers are not immune </a:t>
-            </a:r>
+              <a:t>give appropriate weights </a:t>
+            </a:r>
+            <a:r>
+              <a:rPr lang="en-US" smtClean="0"/>
+              <a:t>to each feature</a:t>
+            </a:r>
+          </a:p>
+          <a:p>
+            <a:pPr lvl="2"/>
             <a:r>
               <a:rPr lang="en-US"/>
-              <a:t>to </a:t>
-            </a:r>
-            <a:r>
-              <a:rPr lang="en-US" smtClean="0"/>
-              <a:t>COD.</a:t>
+              <a:t>This results in some dimensions to be completely </a:t>
+            </a:r>
+            <a:r>
+              <a:rPr lang="en-US" smtClean="0"/>
+              <a:t>ignored</a:t>
             </a:r>
           </a:p>
           <a:p>
             <a:pPr lvl="1"/>
             <a:r>
               <a:rPr lang="en-US"/>
-              <a:t>LASVM employs the strategy of modifying </a:t>
-            </a:r>
-            <a:r>
-              <a:rPr lang="en-US"/>
-              <a:t>the </a:t>
-            </a:r>
-            <a:r>
-              <a:rPr lang="en-US" smtClean="0"/>
-              <a:t>distance metric.</a:t>
-            </a:r>
-          </a:p>
-          <a:p>
-            <a:pPr lvl="1"/>
-            <a:r>
-              <a:rPr lang="en-US" smtClean="0"/>
-              <a:t>Kernel to </a:t>
-            </a:r>
-            <a:r>
-              <a:rPr lang="en-US"/>
-              <a:t>give appropriate </a:t>
-            </a:r>
-            <a:r>
-              <a:rPr lang="en-US"/>
-              <a:t>weights </a:t>
-            </a:r>
-            <a:r>
-              <a:rPr lang="en-US" smtClean="0"/>
-              <a:t>to each feature</a:t>
-            </a:r>
-          </a:p>
-          <a:p>
-            <a:pPr lvl="2"/>
-            <a:r>
-              <a:rPr lang="en-US"/>
-              <a:t>This results in some dimensions to be </a:t>
-            </a:r>
-            <a:r>
-              <a:rPr lang="en-US"/>
-              <a:t>completely </a:t>
-            </a:r>
-            <a:r>
-              <a:rPr lang="en-US" smtClean="0"/>
-              <a:t>ignored</a:t>
-            </a:r>
-          </a:p>
-          <a:p>
-            <a:pPr lvl="1"/>
-            <a:r>
-              <a:rPr lang="en-US"/>
-              <a:t>LASVM provides a </a:t>
-            </a:r>
-            <a:r>
-              <a:rPr lang="en-US"/>
-              <a:t>framework </a:t>
-            </a:r>
-            <a:r>
-              <a:rPr lang="en-US"/>
-              <a:t>for incorporating non-stationary kernels in the </a:t>
-            </a:r>
-            <a:r>
-              <a:rPr lang="en-US"/>
-              <a:t>SVM </a:t>
+              <a:t>LASVM provides a framework for incorporating non-stationary kernels in the SVM </a:t>
             </a:r>
             <a:r>
               <a:rPr lang="en-US" smtClean="0"/>
@@ -10185,13 +10165,13 @@
   <p:clrMapOvr>
     <a:masterClrMapping/>
   </p:clrMapOvr>
-  <mc:AlternateContent xmlns:mc="http://schemas.openxmlformats.org/markup-compatibility/2006">
-    <mc:Choice xmlns:p14="http://schemas.microsoft.com/office/powerpoint/2010/main" Requires="p14">
+  <mc:AlternateContent xmlns:mc="http://schemas.openxmlformats.org/markup-compatibility/2006" xmlns:p14="http://schemas.microsoft.com/office/powerpoint/2010/main">
+    <mc:Choice Requires="p14">
       <p:transition spd="slow" p14:dur="1500">
         <p:random/>
       </p:transition>
     </mc:Choice>
-    <mc:Fallback>
+    <mc:Fallback xmlns="">
       <p:transition spd="slow">
         <p:random/>
       </p:transition>
@@ -10383,13 +10363,13 @@
   <p:clrMapOvr>
     <a:masterClrMapping/>
   </p:clrMapOvr>
-  <mc:AlternateContent xmlns:mc="http://schemas.openxmlformats.org/markup-compatibility/2006">
-    <mc:Choice xmlns:p14="http://schemas.microsoft.com/office/powerpoint/2010/main" Requires="p14">
+  <mc:AlternateContent xmlns:mc="http://schemas.openxmlformats.org/markup-compatibility/2006" xmlns:p14="http://schemas.microsoft.com/office/powerpoint/2010/main">
+    <mc:Choice Requires="p14">
       <p:transition spd="slow" p14:dur="1500">
         <p:random/>
       </p:transition>
     </mc:Choice>
-    <mc:Fallback>
+    <mc:Fallback xmlns="">
       <p:transition spd="slow">
         <p:random/>
       </p:transition>
@@ -10444,8 +10424,8 @@
           </a:p>
         </p:txBody>
       </p:sp>
-      <mc:AlternateContent xmlns:mc="http://schemas.openxmlformats.org/markup-compatibility/2006">
-        <mc:Choice xmlns:a14="http://schemas.microsoft.com/office/drawing/2010/main" Requires="a14">
+      <mc:AlternateContent xmlns:mc="http://schemas.openxmlformats.org/markup-compatibility/2006" xmlns:a14="http://schemas.microsoft.com/office/drawing/2010/main">
+        <mc:Choice Requires="a14">
           <p:sp>
             <p:nvSpPr>
               <p:cNvPr id="3" name="Content Placeholder 2"/>
@@ -11099,11 +11079,7 @@
                 <a:pPr lvl="2"/>
                 <a:r>
                   <a:rPr lang="en-US" smtClean="0"/>
-                  <a:t>i.e</a:t>
-                </a:r>
-                <a:r>
-                  <a:rPr lang="en-US" smtClean="0"/>
-                  <a:t>. </a:t>
+                  <a:t>i.e. </a:t>
                 </a:r>
                 <a14:m>
                   <m:oMath xmlns:m="http://schemas.openxmlformats.org/officeDocument/2006/math">
@@ -11472,23 +11448,7 @@
                       <a:schemeClr val="tx1"/>
                     </a:solidFill>
                   </a:rPr>
-                  <a:t>,</a:t>
-                </a:r>
-                <a:r>
-                  <a:rPr lang="en-US" smtClean="0">
-                    <a:solidFill>
-                      <a:schemeClr val="tx1"/>
-                    </a:solidFill>
-                  </a:rPr>
-                  <a:t> </a:t>
-                </a:r>
-                <a:r>
-                  <a:rPr lang="en-US" smtClean="0">
-                    <a:solidFill>
-                      <a:schemeClr val="tx1"/>
-                    </a:solidFill>
-                  </a:rPr>
-                  <a:t>where </a:t>
+                  <a:t>, where </a:t>
                 </a:r>
                 <a14:m>
                   <m:oMath xmlns:m="http://schemas.openxmlformats.org/officeDocument/2006/math">
@@ -11564,11 +11524,7 @@
                 <a:pPr lvl="1"/>
                 <a:r>
                   <a:rPr lang="en-US" sz="2000" smtClean="0"/>
-                  <a:t>We </a:t>
-                </a:r>
-                <a:r>
-                  <a:rPr lang="en-US" sz="2000" smtClean="0"/>
-                  <a:t>optimize </a:t>
+                  <a:t>We optimize </a:t>
                 </a:r>
                 <a:r>
                   <a:rPr lang="en-US" sz="2000" i="1"/>
@@ -11600,11 +11556,7 @@
                 </a:r>
                 <a:r>
                   <a:rPr lang="en-US" sz="2000" smtClean="0"/>
-                  <a:t>a semipositive </a:t>
-                </a:r>
-                <a:r>
-                  <a:rPr lang="en-US" sz="2000" smtClean="0"/>
-                  <a:t>constraint </a:t>
+                  <a:t>a semipositive constraint </a:t>
                 </a:r>
                 <a:r>
                   <a:rPr lang="en-US" sz="2000"/>
@@ -12065,7 +12017,7 @@
             </p:txBody>
           </p:sp>
         </mc:Choice>
-        <mc:Fallback>
+        <mc:Fallback xmlns="">
           <p:sp>
             <p:nvSpPr>
               <p:cNvPr id="3" name="Content Placeholder 2"/>
@@ -12209,13 +12161,13 @@
   <p:clrMapOvr>
     <a:masterClrMapping/>
   </p:clrMapOvr>
-  <mc:AlternateContent xmlns:mc="http://schemas.openxmlformats.org/markup-compatibility/2006">
-    <mc:Choice xmlns:p14="http://schemas.microsoft.com/office/powerpoint/2010/main" Requires="p14">
+  <mc:AlternateContent xmlns:mc="http://schemas.openxmlformats.org/markup-compatibility/2006" xmlns:p14="http://schemas.microsoft.com/office/powerpoint/2010/main">
+    <mc:Choice Requires="p14">
       <p:transition spd="slow" p14:dur="1500">
         <p:random/>
       </p:transition>
     </mc:Choice>
-    <mc:Fallback>
+    <mc:Fallback xmlns="">
       <p:transition spd="slow">
         <p:random/>
       </p:transition>
@@ -12350,11 +12302,7 @@
             </a:r>
             <a:r>
               <a:rPr lang="en-US" sz="2000"/>
-              <a:t>on the minimization of an MSE </a:t>
-            </a:r>
-            <a:r>
-              <a:rPr lang="en-US" sz="2000"/>
-              <a:t>objective </a:t>
+              <a:t>on the minimization of an MSE objective </a:t>
             </a:r>
             <a:r>
               <a:rPr lang="en-US" sz="2000" smtClean="0"/>
@@ -12362,11 +12310,7 @@
             </a:r>
             <a:r>
               <a:rPr lang="en-US" sz="2000"/>
-              <a:t>a gradient descent algorithm in the </a:t>
-            </a:r>
-            <a:r>
-              <a:rPr lang="en-US" sz="2000"/>
-              <a:t>KNN </a:t>
+              <a:t>a gradient descent algorithm in the KNN </a:t>
             </a:r>
             <a:r>
               <a:rPr lang="en-US" sz="2000" smtClean="0"/>
@@ -12397,21 +12341,13 @@
             </a:r>
             <a:r>
               <a:rPr lang="en-US" sz="2000" smtClean="0"/>
-              <a:t>adaptive metric</a:t>
-            </a:r>
-            <a:r>
-              <a:rPr lang="en-US" sz="2000" smtClean="0"/>
-              <a:t>.</a:t>
+              <a:t>adaptive metric.</a:t>
             </a:r>
           </a:p>
           <a:p>
             <a:r>
               <a:rPr lang="en-US" sz="2000"/>
-              <a:t>We have used MEGM, as we </a:t>
-            </a:r>
-            <a:r>
-              <a:rPr lang="en-US" sz="2000"/>
-              <a:t>got </a:t>
+              <a:t>We have used MEGM, as we got </a:t>
             </a:r>
             <a:r>
               <a:rPr lang="en-US" sz="2000" smtClean="0"/>
@@ -12419,11 +12355,7 @@
             </a:r>
             <a:r>
               <a:rPr lang="en-US" sz="2000"/>
-              <a:t>with MEGM than with NCA [14], LMNN [15</a:t>
-            </a:r>
-            <a:r>
-              <a:rPr lang="en-US" sz="2000"/>
-              <a:t>] </a:t>
+              <a:t>with MEGM than with NCA [14], LMNN [15] </a:t>
             </a:r>
             <a:r>
               <a:rPr lang="en-US" sz="2000" smtClean="0"/>
@@ -12433,7 +12365,6 @@
               <a:rPr lang="en-US" sz="2000"/>
               <a:t>[6].</a:t>
             </a:r>
-            <a:endParaRPr lang="en-US" sz="2000"/>
           </a:p>
         </p:txBody>
       </p:sp>
@@ -12471,13 +12402,13 @@
   <p:clrMapOvr>
     <a:masterClrMapping/>
   </p:clrMapOvr>
-  <mc:AlternateContent xmlns:mc="http://schemas.openxmlformats.org/markup-compatibility/2006">
-    <mc:Choice xmlns:p14="http://schemas.microsoft.com/office/powerpoint/2010/main" Requires="p14">
+  <mc:AlternateContent xmlns:mc="http://schemas.openxmlformats.org/markup-compatibility/2006" xmlns:p14="http://schemas.microsoft.com/office/powerpoint/2010/main">
+    <mc:Choice Requires="p14">
       <p:transition spd="slow" p14:dur="1500">
         <p:random/>
       </p:transition>
     </mc:Choice>
-    <mc:Fallback>
+    <mc:Fallback xmlns="">
       <p:transition spd="slow">
         <p:random/>
       </p:transition>
@@ -12607,7 +12538,7 @@
         </p:nvGrpSpPr>
         <p:grpSpPr bwMode="auto">
           <a:xfrm>
-            <a:off x="2133600" y="1676400"/>
+            <a:off x="1600200" y="1524000"/>
             <a:ext cx="5500048" cy="685800"/>
             <a:chOff x="1296" y="1824"/>
             <a:chExt cx="2976" cy="432"/>
@@ -12882,7 +12813,7 @@
         </p:nvGrpSpPr>
         <p:grpSpPr bwMode="auto">
           <a:xfrm>
-            <a:off x="2133600" y="2514600"/>
+            <a:off x="1600200" y="2362200"/>
             <a:ext cx="5500048" cy="685800"/>
             <a:chOff x="1296" y="1824"/>
             <a:chExt cx="2976" cy="432"/>
@@ -13157,7 +13088,7 @@
         </p:nvGrpSpPr>
         <p:grpSpPr bwMode="auto">
           <a:xfrm>
-            <a:off x="2133600" y="3352800"/>
+            <a:off x="1600200" y="3200400"/>
             <a:ext cx="5638658" cy="685800"/>
             <a:chOff x="1296" y="1824"/>
             <a:chExt cx="3051" cy="432"/>
@@ -13432,7 +13363,7 @@
         </p:nvGrpSpPr>
         <p:grpSpPr bwMode="auto">
           <a:xfrm>
-            <a:off x="2133600" y="4267200"/>
+            <a:off x="1600200" y="4114800"/>
             <a:ext cx="5500048" cy="685800"/>
             <a:chOff x="1296" y="1824"/>
             <a:chExt cx="2976" cy="432"/>
@@ -13731,7 +13662,7 @@
         </p:nvGrpSpPr>
         <p:grpSpPr bwMode="auto">
           <a:xfrm>
-            <a:off x="2134590" y="5170488"/>
+            <a:off x="1601190" y="5018088"/>
             <a:ext cx="5500048" cy="685800"/>
             <a:chOff x="1296" y="1824"/>
             <a:chExt cx="2976" cy="432"/>
@@ -14012,13 +13943,13 @@
   <p:clrMapOvr>
     <a:masterClrMapping/>
   </p:clrMapOvr>
-  <mc:AlternateContent xmlns:mc="http://schemas.openxmlformats.org/markup-compatibility/2006">
-    <mc:Choice xmlns:p14="http://schemas.microsoft.com/office/powerpoint/2010/main" Requires="p14">
+  <mc:AlternateContent xmlns:mc="http://schemas.openxmlformats.org/markup-compatibility/2006" xmlns:p14="http://schemas.microsoft.com/office/powerpoint/2010/main">
+    <mc:Choice Requires="p14">
       <p:transition spd="slow" p14:dur="1500">
         <p:random/>
       </p:transition>
     </mc:Choice>
-    <mc:Fallback>
+    <mc:Fallback xmlns="">
       <p:transition spd="slow">
         <p:random/>
       </p:transition>
@@ -14101,11 +14032,7 @@
             </a:r>
             <a:r>
               <a:rPr lang="en-US" sz="2000"/>
-              <a:t>recent successes in metric learning </a:t>
-            </a:r>
-            <a:r>
-              <a:rPr lang="en-US" sz="2000"/>
-              <a:t>for </a:t>
+              <a:t>recent successes in metric learning for </a:t>
             </a:r>
             <a:r>
               <a:rPr lang="en-US" sz="2000" smtClean="0"/>
@@ -14116,11 +14043,7 @@
             <a:pPr lvl="1"/>
             <a:r>
               <a:rPr lang="en-US" sz="2000"/>
-              <a:t>Learning a metric results </a:t>
-            </a:r>
-            <a:r>
-              <a:rPr lang="en-US" sz="2000"/>
-              <a:t>in </a:t>
+              <a:t>Learning a metric results in </a:t>
             </a:r>
             <a:r>
               <a:rPr lang="en-US" sz="2000" smtClean="0"/>
@@ -14128,11 +14051,7 @@
             </a:r>
             <a:r>
               <a:rPr lang="en-US" sz="2000"/>
-              <a:t>transformation of </a:t>
-            </a:r>
-            <a:r>
-              <a:rPr lang="en-US" sz="2000"/>
-              <a:t>the </a:t>
+              <a:t>transformation of the </a:t>
             </a:r>
             <a:r>
               <a:rPr lang="en-US" sz="2000" smtClean="0"/>
@@ -14143,11 +14062,7 @@
             <a:pPr lvl="1"/>
             <a:r>
               <a:rPr lang="en-US" sz="2000"/>
-              <a:t>LASVM trains </a:t>
-            </a:r>
-            <a:r>
-              <a:rPr lang="en-US" sz="2000"/>
-              <a:t>an </a:t>
+              <a:t>LASVM trains an </a:t>
             </a:r>
             <a:r>
               <a:rPr lang="en-US" sz="2000" smtClean="0"/>
@@ -14155,11 +14070,7 @@
             </a:r>
             <a:r>
               <a:rPr lang="en-US" sz="2000"/>
-              <a:t>local space transformed by the </a:t>
-            </a:r>
-            <a:r>
-              <a:rPr lang="en-US" sz="2000"/>
-              <a:t>learnt </a:t>
+              <a:t>local space transformed by the learnt </a:t>
             </a:r>
             <a:r>
               <a:rPr lang="en-US" sz="2000" smtClean="0"/>
@@ -14202,13 +14113,13 @@
   <p:clrMapOvr>
     <a:masterClrMapping/>
   </p:clrMapOvr>
-  <mc:AlternateContent xmlns:mc="http://schemas.openxmlformats.org/markup-compatibility/2006">
-    <mc:Choice xmlns:p14="http://schemas.microsoft.com/office/powerpoint/2010/main" Requires="p14">
+  <mc:AlternateContent xmlns:mc="http://schemas.openxmlformats.org/markup-compatibility/2006" xmlns:p14="http://schemas.microsoft.com/office/powerpoint/2010/main">
+    <mc:Choice Requires="p14">
       <p:transition spd="slow" p14:dur="1500">
         <p:random/>
       </p:transition>
     </mc:Choice>
-    <mc:Fallback>
+    <mc:Fallback xmlns="">
       <p:transition spd="slow">
         <p:random/>
       </p:transition>
@@ -14263,8 +14174,8 @@
           </a:p>
         </p:txBody>
       </p:sp>
-      <mc:AlternateContent xmlns:mc="http://schemas.openxmlformats.org/markup-compatibility/2006">
-        <mc:Choice xmlns:a14="http://schemas.microsoft.com/office/drawing/2010/main" Requires="a14">
+      <mc:AlternateContent xmlns:mc="http://schemas.openxmlformats.org/markup-compatibility/2006" xmlns:a14="http://schemas.microsoft.com/office/drawing/2010/main">
+        <mc:Choice Requires="a14">
           <p:sp>
             <p:nvSpPr>
               <p:cNvPr id="3" name="Content Placeholder 2"/>
@@ -14282,11 +14193,7 @@
               <a:p>
                 <a:r>
                   <a:rPr lang="en-US" sz="2000" smtClean="0"/>
-                  <a:t>LASVM </a:t>
-                </a:r>
-                <a:r>
-                  <a:rPr lang="en-US" sz="2000" smtClean="0"/>
-                  <a:t>train a SVM classifier in the adapted neighborhood of a query point.</a:t>
+                  <a:t>LASVM train a SVM classifier in the adapted neighborhood of a query point.</a:t>
                 </a:r>
               </a:p>
               <a:p>
@@ -14337,7 +14244,9 @@
                     <m:sSubSup>
                       <m:sSubSupPr>
                         <m:ctrlPr>
-                          <a:rPr lang="en-US" sz="2000" i="1"/>
+                          <a:rPr lang="en-US" sz="2000" i="1">
+                            <a:latin typeface="Cambria Math" panose="02040503050406030204" pitchFamily="18" charset="0"/>
+                          </a:rPr>
                         </m:ctrlPr>
                       </m:sSubSupPr>
                       <m:e>
@@ -14346,48 +14255,64 @@
                             <m:begChr m:val="{"/>
                             <m:endChr m:val="}"/>
                             <m:ctrlPr>
-                              <a:rPr lang="en-US" sz="2000" i="1"/>
+                              <a:rPr lang="en-US" sz="2000" i="1">
+                                <a:latin typeface="Cambria Math" panose="02040503050406030204" pitchFamily="18" charset="0"/>
+                              </a:rPr>
                             </m:ctrlPr>
                           </m:dPr>
                           <m:e>
                             <m:sSub>
                               <m:sSubPr>
                                 <m:ctrlPr>
-                                  <a:rPr lang="en-US" sz="2000" i="1"/>
+                                  <a:rPr lang="en-US" sz="2000" i="1">
+                                    <a:latin typeface="Cambria Math" panose="02040503050406030204" pitchFamily="18" charset="0"/>
+                                  </a:rPr>
                                 </m:ctrlPr>
                               </m:sSubPr>
                               <m:e>
                                 <m:r>
-                                  <a:rPr lang="en-US" sz="2000" i="1"/>
+                                  <a:rPr lang="en-US" sz="2000" i="1">
+                                    <a:latin typeface="Cambria Math" panose="02040503050406030204" pitchFamily="18" charset="0"/>
+                                  </a:rPr>
                                   <m:t>𝑥</m:t>
                                 </m:r>
                               </m:e>
                               <m:sub>
                                 <m:r>
-                                  <a:rPr lang="en-US" sz="2000" i="1"/>
+                                  <a:rPr lang="en-US" sz="2000" i="1">
+                                    <a:latin typeface="Cambria Math" panose="02040503050406030204" pitchFamily="18" charset="0"/>
+                                  </a:rPr>
                                   <m:t>𝑛</m:t>
                                 </m:r>
                               </m:sub>
                             </m:sSub>
                             <m:r>
-                              <a:rPr lang="en-US" sz="2000" i="1"/>
+                              <a:rPr lang="en-US" sz="2000" i="1">
+                                <a:latin typeface="Cambria Math" panose="02040503050406030204" pitchFamily="18" charset="0"/>
+                              </a:rPr>
                               <m:t>,</m:t>
                             </m:r>
                             <m:sSub>
                               <m:sSubPr>
                                 <m:ctrlPr>
-                                  <a:rPr lang="en-US" sz="2000" i="1"/>
+                                  <a:rPr lang="en-US" sz="2000" i="1">
+                                    <a:latin typeface="Cambria Math" panose="02040503050406030204" pitchFamily="18" charset="0"/>
+                                  </a:rPr>
                                 </m:ctrlPr>
                               </m:sSubPr>
                               <m:e>
                                 <m:r>
-                                  <a:rPr lang="en-US" sz="2000" i="1"/>
+                                  <a:rPr lang="en-US" sz="2000" i="1">
+                                    <a:latin typeface="Cambria Math" panose="02040503050406030204" pitchFamily="18" charset="0"/>
+                                  </a:rPr>
                                   <m:t>𝑦</m:t>
                                 </m:r>
                               </m:e>
                               <m:sub>
                                 <m:r>
-                                  <a:rPr lang="en-US" sz="2000" i="1"/>
+                                  <a:rPr lang="en-US" sz="2000" i="1">
+                                    <a:latin typeface="Cambria Math" panose="02040503050406030204" pitchFamily="18" charset="0"/>
+                                  </a:rPr>
                                   <m:t>𝑛</m:t>
                                 </m:r>
                               </m:sub>
@@ -14395,23 +14320,31 @@
                           </m:e>
                         </m:d>
                         <m:r>
-                          <a:rPr lang="en-US" sz="2000" i="1"/>
+                          <a:rPr lang="en-US" sz="2000" i="1">
+                            <a:latin typeface="Cambria Math" panose="02040503050406030204" pitchFamily="18" charset="0"/>
+                          </a:rPr>
                           <m:t> </m:t>
                         </m:r>
                       </m:e>
                       <m:sub>
                         <m:r>
-                          <a:rPr lang="en-US" sz="2000" i="1"/>
+                          <a:rPr lang="en-US" sz="2000" i="1">
+                            <a:latin typeface="Cambria Math" panose="02040503050406030204" pitchFamily="18" charset="0"/>
+                          </a:rPr>
                           <m:t>𝑛</m:t>
                         </m:r>
                         <m:r>
-                          <a:rPr lang="en-US" sz="2000" i="1"/>
+                          <a:rPr lang="en-US" sz="2000" i="1">
+                            <a:latin typeface="Cambria Math" panose="02040503050406030204" pitchFamily="18" charset="0"/>
+                          </a:rPr>
                           <m:t>=1</m:t>
                         </m:r>
                       </m:sub>
                       <m:sup>
                         <m:r>
-                          <a:rPr lang="en-US" sz="2000" i="1"/>
+                          <a:rPr lang="en-US" sz="2000" i="1">
+                            <a:latin typeface="Cambria Math" panose="02040503050406030204" pitchFamily="18" charset="0"/>
+                          </a:rPr>
                           <m:t>𝑁</m:t>
                         </m:r>
                       </m:sup>
@@ -14604,11 +14537,7 @@
                 </a:r>
                 <a:r>
                   <a:rPr lang="en-US" sz="2000"/>
-                  <a:t>, 2, 3, 5</a:t>
-                </a:r>
-                <a:r>
-                  <a:rPr lang="en-US" sz="2000"/>
-                  <a:t>, </a:t>
+                  <a:t>, 2, 3, 5, </a:t>
                 </a:r>
                 <a:r>
                   <a:rPr lang="en-US" sz="2000" smtClean="0"/>
@@ -14678,11 +14607,7 @@
                 </a14:m>
                 <a:r>
                   <a:rPr lang="en-US" sz="2000" smtClean="0"/>
-                  <a:t> </a:t>
-                </a:r>
-                <a:r>
-                  <a:rPr lang="en-US" sz="2000" smtClean="0"/>
-                  <a:t>using MEGM metric learning algorithm.</a:t>
+                  <a:t> using MEGM metric learning algorithm.</a:t>
                 </a:r>
               </a:p>
               <a:p>
@@ -14711,7 +14636,7 @@
             </p:txBody>
           </p:sp>
         </mc:Choice>
-        <mc:Fallback>
+        <mc:Fallback xmlns="">
           <p:sp>
             <p:nvSpPr>
               <p:cNvPr id="3" name="Content Placeholder 2"/>
@@ -14779,13 +14704,13 @@
   <p:clrMapOvr>
     <a:masterClrMapping/>
   </p:clrMapOvr>
-  <mc:AlternateContent xmlns:mc="http://schemas.openxmlformats.org/markup-compatibility/2006">
-    <mc:Choice xmlns:p14="http://schemas.microsoft.com/office/powerpoint/2010/main" Requires="p14">
+  <mc:AlternateContent xmlns:mc="http://schemas.openxmlformats.org/markup-compatibility/2006" xmlns:p14="http://schemas.microsoft.com/office/powerpoint/2010/main">
+    <mc:Choice Requires="p14">
       <p:transition spd="slow" p14:dur="1500">
         <p:random/>
       </p:transition>
     </mc:Choice>
-    <mc:Fallback>
+    <mc:Fallback xmlns="">
       <p:transition spd="slow">
         <p:random/>
       </p:transition>
@@ -14933,13 +14858,13 @@
   <p:clrMapOvr>
     <a:masterClrMapping/>
   </p:clrMapOvr>
-  <mc:AlternateContent xmlns:mc="http://schemas.openxmlformats.org/markup-compatibility/2006">
-    <mc:Choice xmlns:p14="http://schemas.microsoft.com/office/powerpoint/2010/main" Requires="p14">
+  <mc:AlternateContent xmlns:mc="http://schemas.openxmlformats.org/markup-compatibility/2006" xmlns:p14="http://schemas.microsoft.com/office/powerpoint/2010/main">
+    <mc:Choice Requires="p14">
       <p:transition spd="slow" p14:dur="1500">
         <p:random/>
       </p:transition>
     </mc:Choice>
-    <mc:Fallback>
+    <mc:Fallback xmlns="">
       <p:transition spd="slow">
         <p:random/>
       </p:transition>
@@ -15016,11 +14941,7 @@
           <a:p>
             <a:r>
               <a:rPr lang="en-US" sz="2000"/>
-              <a:t>The Faces, USPS, Isolet, and Coil100 databases were </a:t>
-            </a:r>
-            <a:r>
-              <a:rPr lang="en-US" sz="2000"/>
-              <a:t>preprocessed </a:t>
+              <a:t>The Faces, USPS, Isolet, and Coil100 databases were preprocessed </a:t>
             </a:r>
             <a:r>
               <a:rPr lang="en-US" sz="2000" smtClean="0"/>
@@ -15030,11 +14951,7 @@
           <a:p>
             <a:r>
               <a:rPr lang="en-US" sz="2000"/>
-              <a:t>For faces, USPS, Isolet and Coil100, each experiment is repeated 10 times and the mean results and </a:t>
-            </a:r>
-            <a:r>
-              <a:rPr lang="en-US" sz="2000"/>
-              <a:t>standard </a:t>
+              <a:t>For faces, USPS, Isolet and Coil100, each experiment is repeated 10 times and the mean results and standard </a:t>
             </a:r>
             <a:r>
               <a:rPr lang="en-US" sz="2000" smtClean="0"/>
@@ -15042,11 +14959,7 @@
             </a:r>
             <a:r>
               <a:rPr lang="en-US" sz="2000"/>
-              <a:t>reported. Note that no optimization is done </a:t>
-            </a:r>
-            <a:r>
-              <a:rPr lang="en-US" sz="2000"/>
-              <a:t>for </a:t>
+              <a:t>reported. Note that no optimization is done for </a:t>
             </a:r>
             <a:r>
               <a:rPr lang="en-US" sz="2000" smtClean="0"/>
@@ -15060,11 +14973,7 @@
             </a:r>
             <a:r>
               <a:rPr lang="en-US" sz="2000"/>
-              <a:t>parameter is set equal to 10 and σ </a:t>
-            </a:r>
-            <a:r>
-              <a:rPr lang="en-US" sz="2000"/>
-              <a:t>is </a:t>
+              <a:t>parameter is set equal to 10 and σ is </a:t>
             </a:r>
             <a:r>
               <a:rPr lang="en-US" sz="2000" smtClean="0"/>
@@ -15072,11 +14981,7 @@
             </a:r>
             <a:r>
               <a:rPr lang="en-US" sz="2000"/>
-              <a:t>to 1 for </a:t>
-            </a:r>
-            <a:r>
-              <a:rPr lang="en-US" sz="2000"/>
-              <a:t>all </a:t>
+              <a:t>to 1 for all </a:t>
             </a:r>
             <a:r>
               <a:rPr lang="en-US" sz="2000" smtClean="0"/>
@@ -15084,11 +14989,7 @@
             </a:r>
             <a:r>
               <a:rPr lang="en-US" sz="2000"/>
-              <a:t>in all LSVM </a:t>
-            </a:r>
-            <a:r>
-              <a:rPr lang="en-US" sz="2000"/>
-              <a:t>and </a:t>
+              <a:t>in all LSVM and </a:t>
             </a:r>
             <a:r>
               <a:rPr lang="en-US" sz="2000" smtClean="0"/>
@@ -15132,13 +15033,13 @@
   <p:clrMapOvr>
     <a:masterClrMapping/>
   </p:clrMapOvr>
-  <mc:AlternateContent xmlns:mc="http://schemas.openxmlformats.org/markup-compatibility/2006">
-    <mc:Choice xmlns:p14="http://schemas.microsoft.com/office/powerpoint/2010/main" Requires="p14">
+  <mc:AlternateContent xmlns:mc="http://schemas.openxmlformats.org/markup-compatibility/2006" xmlns:p14="http://schemas.microsoft.com/office/powerpoint/2010/main">
+    <mc:Choice Requires="p14">
       <p:transition spd="slow" p14:dur="1500">
         <p:random/>
       </p:transition>
     </mc:Choice>
-    <mc:Fallback>
+    <mc:Fallback xmlns="">
       <p:transition spd="slow">
         <p:random/>
       </p:transition>
@@ -16648,13 +16549,13 @@
   <p:clrMapOvr>
     <a:masterClrMapping/>
   </p:clrMapOvr>
-  <mc:AlternateContent xmlns:mc="http://schemas.openxmlformats.org/markup-compatibility/2006">
-    <mc:Choice xmlns:p14="http://schemas.microsoft.com/office/powerpoint/2010/main" Requires="p14">
+  <mc:AlternateContent xmlns:mc="http://schemas.openxmlformats.org/markup-compatibility/2006" xmlns:p14="http://schemas.microsoft.com/office/powerpoint/2010/main">
+    <mc:Choice Requires="p14">
       <p:transition spd="slow" p14:dur="1500">
         <p:random/>
       </p:transition>
     </mc:Choice>
-    <mc:Fallback>
+    <mc:Fallback xmlns="">
       <p:transition spd="slow">
         <p:random/>
       </p:transition>
@@ -16714,8 +16615,8 @@
           </a:p>
         </p:txBody>
       </p:sp>
-      <mc:AlternateContent xmlns:mc="http://schemas.openxmlformats.org/markup-compatibility/2006">
-        <mc:Choice xmlns:a14="http://schemas.microsoft.com/office/drawing/2010/main" Requires="a14">
+      <mc:AlternateContent xmlns:mc="http://schemas.openxmlformats.org/markup-compatibility/2006" xmlns:a14="http://schemas.microsoft.com/office/drawing/2010/main">
+        <mc:Choice Requires="a14">
           <p:sp>
             <p:nvSpPr>
               <p:cNvPr id="3" name="Content Placeholder 2"/>
@@ -16923,7 +16824,7 @@
             </p:txBody>
           </p:sp>
         </mc:Choice>
-        <mc:Fallback>
+        <mc:Fallback xmlns="">
           <p:sp>
             <p:nvSpPr>
               <p:cNvPr id="3" name="Content Placeholder 2"/>
@@ -16991,13 +16892,13 @@
   <p:clrMapOvr>
     <a:masterClrMapping/>
   </p:clrMapOvr>
-  <mc:AlternateContent xmlns:mc="http://schemas.openxmlformats.org/markup-compatibility/2006">
-    <mc:Choice xmlns:p14="http://schemas.microsoft.com/office/powerpoint/2010/main" Requires="p14">
+  <mc:AlternateContent xmlns:mc="http://schemas.openxmlformats.org/markup-compatibility/2006" xmlns:p14="http://schemas.microsoft.com/office/powerpoint/2010/main">
+    <mc:Choice Requires="p14">
       <p:transition spd="slow" p14:dur="1500">
         <p:random/>
       </p:transition>
     </mc:Choice>
-    <mc:Fallback>
+    <mc:Fallback xmlns="">
       <p:transition spd="slow">
         <p:random/>
       </p:transition>
@@ -17153,13 +17054,13 @@
   <p:clrMapOvr>
     <a:masterClrMapping/>
   </p:clrMapOvr>
-  <mc:AlternateContent xmlns:mc="http://schemas.openxmlformats.org/markup-compatibility/2006">
-    <mc:Choice xmlns:p14="http://schemas.microsoft.com/office/powerpoint/2010/main" Requires="p14">
+  <mc:AlternateContent xmlns:mc="http://schemas.openxmlformats.org/markup-compatibility/2006" xmlns:p14="http://schemas.microsoft.com/office/powerpoint/2010/main">
+    <mc:Choice Requires="p14">
       <p:transition spd="slow" p14:dur="1500">
         <p:random/>
       </p:transition>
     </mc:Choice>
-    <mc:Fallback>
+    <mc:Fallback xmlns="">
       <p:transition spd="slow">
         <p:random/>
       </p:transition>
@@ -17307,13 +17208,13 @@
   <p:clrMapOvr>
     <a:masterClrMapping/>
   </p:clrMapOvr>
-  <mc:AlternateContent xmlns:mc="http://schemas.openxmlformats.org/markup-compatibility/2006">
-    <mc:Choice xmlns:p14="http://schemas.microsoft.com/office/powerpoint/2010/main" Requires="p14">
+  <mc:AlternateContent xmlns:mc="http://schemas.openxmlformats.org/markup-compatibility/2006" xmlns:p14="http://schemas.microsoft.com/office/powerpoint/2010/main">
+    <mc:Choice Requires="p14">
       <p:transition spd="slow" p14:dur="1500">
         <p:random/>
       </p:transition>
     </mc:Choice>
-    <mc:Fallback>
+    <mc:Fallback xmlns="">
       <p:transition spd="slow">
         <p:random/>
       </p:transition>
@@ -17474,13 +17375,13 @@
   <p:clrMapOvr>
     <a:masterClrMapping/>
   </p:clrMapOvr>
-  <mc:AlternateContent xmlns:mc="http://schemas.openxmlformats.org/markup-compatibility/2006">
-    <mc:Choice xmlns:p14="http://schemas.microsoft.com/office/powerpoint/2010/main" Requires="p14">
+  <mc:AlternateContent xmlns:mc="http://schemas.openxmlformats.org/markup-compatibility/2006" xmlns:p14="http://schemas.microsoft.com/office/powerpoint/2010/main">
+    <mc:Choice Requires="p14">
       <p:transition spd="slow" p14:dur="1500">
         <p:random/>
       </p:transition>
     </mc:Choice>
-    <mc:Fallback>
+    <mc:Fallback xmlns="">
       <p:transition spd="slow">
         <p:random/>
       </p:transition>
@@ -17641,13 +17542,13 @@
   <p:clrMapOvr>
     <a:masterClrMapping/>
   </p:clrMapOvr>
-  <mc:AlternateContent xmlns:mc="http://schemas.openxmlformats.org/markup-compatibility/2006">
-    <mc:Choice xmlns:p14="http://schemas.microsoft.com/office/powerpoint/2010/main" Requires="p14">
+  <mc:AlternateContent xmlns:mc="http://schemas.openxmlformats.org/markup-compatibility/2006" xmlns:p14="http://schemas.microsoft.com/office/powerpoint/2010/main">
+    <mc:Choice Requires="p14">
       <p:transition spd="slow" p14:dur="1500">
         <p:random/>
       </p:transition>
     </mc:Choice>
-    <mc:Fallback>
+    <mc:Fallback xmlns="">
       <p:transition spd="slow">
         <p:random/>
       </p:transition>
@@ -17724,30 +17625,22 @@
           <a:p>
             <a:r>
               <a:rPr lang="en-US"/>
-              <a:t>Support </a:t>
+              <a:t>Support Vector </a:t>
+            </a:r>
+            <a:r>
+              <a:rPr lang="en-US" smtClean="0"/>
+              <a:t>Machine</a:t>
+            </a:r>
+          </a:p>
+          <a:p>
+            <a:pPr lvl="1"/>
+            <a:r>
+              <a:rPr lang="en-US" smtClean="0"/>
+              <a:t>Based on the principle </a:t>
             </a:r>
             <a:r>
               <a:rPr lang="en-US"/>
-              <a:t>Vector </a:t>
-            </a:r>
-            <a:r>
-              <a:rPr lang="en-US" smtClean="0"/>
-              <a:t>Machine</a:t>
-            </a:r>
-          </a:p>
-          <a:p>
-            <a:pPr lvl="1"/>
-            <a:r>
-              <a:rPr lang="en-US" smtClean="0"/>
-              <a:t>Based on the principle </a:t>
-            </a:r>
-            <a:r>
-              <a:rPr lang="en-US"/>
-              <a:t>of structured </a:t>
-            </a:r>
-            <a:r>
-              <a:rPr lang="en-US"/>
-              <a:t>risk </a:t>
+              <a:t>of structured risk </a:t>
             </a:r>
             <a:r>
               <a:rPr lang="en-US" smtClean="0"/>
@@ -17777,11 +17670,7 @@
             </a:r>
             <a:r>
               <a:rPr lang="en-US"/>
-              <a:t>the art performance on a wide range </a:t>
-            </a:r>
-            <a:r>
-              <a:rPr lang="en-US"/>
-              <a:t>of </a:t>
+              <a:t>the art performance on a wide range of </a:t>
             </a:r>
             <a:r>
               <a:rPr lang="en-US" smtClean="0"/>
@@ -17840,13 +17729,13 @@
   <p:clrMapOvr>
     <a:masterClrMapping/>
   </p:clrMapOvr>
-  <mc:AlternateContent xmlns:mc="http://schemas.openxmlformats.org/markup-compatibility/2006">
-    <mc:Choice xmlns:p14="http://schemas.microsoft.com/office/powerpoint/2010/main" Requires="p14">
+  <mc:AlternateContent xmlns:mc="http://schemas.openxmlformats.org/markup-compatibility/2006" xmlns:p14="http://schemas.microsoft.com/office/powerpoint/2010/main">
+    <mc:Choice Requires="p14">
       <p:transition spd="slow" p14:dur="1500">
         <p:random/>
       </p:transition>
     </mc:Choice>
-    <mc:Fallback>
+    <mc:Fallback xmlns="">
       <p:transition spd="slow">
         <p:random/>
       </p:transition>
@@ -18011,13 +17900,13 @@
   <p:clrMapOvr>
     <a:masterClrMapping/>
   </p:clrMapOvr>
-  <mc:AlternateContent xmlns:mc="http://schemas.openxmlformats.org/markup-compatibility/2006">
-    <mc:Choice xmlns:p14="http://schemas.microsoft.com/office/powerpoint/2010/main" Requires="p14">
+  <mc:AlternateContent xmlns:mc="http://schemas.openxmlformats.org/markup-compatibility/2006" xmlns:p14="http://schemas.microsoft.com/office/powerpoint/2010/main">
+    <mc:Choice Requires="p14">
       <p:transition spd="slow" p14:dur="1500">
         <p:random/>
       </p:transition>
     </mc:Choice>
-    <mc:Fallback>
+    <mc:Fallback xmlns="">
       <p:transition spd="slow">
         <p:random/>
       </p:transition>
@@ -18165,13 +18054,13 @@
   <p:clrMapOvr>
     <a:masterClrMapping/>
   </p:clrMapOvr>
-  <mc:AlternateContent xmlns:mc="http://schemas.openxmlformats.org/markup-compatibility/2006">
-    <mc:Choice xmlns:p14="http://schemas.microsoft.com/office/powerpoint/2010/main" Requires="p14">
+  <mc:AlternateContent xmlns:mc="http://schemas.openxmlformats.org/markup-compatibility/2006" xmlns:p14="http://schemas.microsoft.com/office/powerpoint/2010/main">
+    <mc:Choice Requires="p14">
       <p:transition spd="slow" p14:dur="1500">
         <p:random/>
       </p:transition>
     </mc:Choice>
-    <mc:Fallback>
+    <mc:Fallback xmlns="">
       <p:transition spd="slow">
         <p:random/>
       </p:transition>
@@ -18331,13 +18220,13 @@
   <p:clrMapOvr>
     <a:masterClrMapping/>
   </p:clrMapOvr>
-  <mc:AlternateContent xmlns:mc="http://schemas.openxmlformats.org/markup-compatibility/2006">
-    <mc:Choice xmlns:p14="http://schemas.microsoft.com/office/powerpoint/2010/main" Requires="p14">
+  <mc:AlternateContent xmlns:mc="http://schemas.openxmlformats.org/markup-compatibility/2006" xmlns:p14="http://schemas.microsoft.com/office/powerpoint/2010/main">
+    <mc:Choice Requires="p14">
       <p:transition spd="slow" p14:dur="1500">
         <p:random/>
       </p:transition>
     </mc:Choice>
-    <mc:Fallback>
+    <mc:Fallback xmlns="">
       <p:transition spd="slow">
         <p:random/>
       </p:transition>
@@ -18525,13 +18414,13 @@
   <p:clrMapOvr>
     <a:masterClrMapping/>
   </p:clrMapOvr>
-  <mc:AlternateContent xmlns:mc="http://schemas.openxmlformats.org/markup-compatibility/2006">
-    <mc:Choice xmlns:p14="http://schemas.microsoft.com/office/powerpoint/2010/main" Requires="p14">
+  <mc:AlternateContent xmlns:mc="http://schemas.openxmlformats.org/markup-compatibility/2006" xmlns:p14="http://schemas.microsoft.com/office/powerpoint/2010/main">
+    <mc:Choice Requires="p14">
       <p:transition spd="slow" p14:dur="1500">
         <p:random/>
       </p:transition>
     </mc:Choice>
-    <mc:Fallback>
+    <mc:Fallback xmlns="">
       <p:transition spd="slow">
         <p:random/>
       </p:transition>
@@ -18697,13 +18586,13 @@
   <p:clrMapOvr>
     <a:masterClrMapping/>
   </p:clrMapOvr>
-  <mc:AlternateContent xmlns:mc="http://schemas.openxmlformats.org/markup-compatibility/2006">
-    <mc:Choice xmlns:p14="http://schemas.microsoft.com/office/powerpoint/2010/main" Requires="p14">
+  <mc:AlternateContent xmlns:mc="http://schemas.openxmlformats.org/markup-compatibility/2006" xmlns:p14="http://schemas.microsoft.com/office/powerpoint/2010/main">
+    <mc:Choice Requires="p14">
       <p:transition spd="slow" p14:dur="1500">
         <p:random/>
       </p:transition>
     </mc:Choice>
-    <mc:Fallback>
+    <mc:Fallback xmlns="">
       <p:transition spd="slow">
         <p:random/>
       </p:transition>
@@ -18898,13 +18787,13 @@
   <p:clrMapOvr>
     <a:masterClrMapping/>
   </p:clrMapOvr>
-  <mc:AlternateContent xmlns:mc="http://schemas.openxmlformats.org/markup-compatibility/2006">
-    <mc:Choice xmlns:p14="http://schemas.microsoft.com/office/powerpoint/2010/main" Requires="p14">
+  <mc:AlternateContent xmlns:mc="http://schemas.openxmlformats.org/markup-compatibility/2006" xmlns:p14="http://schemas.microsoft.com/office/powerpoint/2010/main">
+    <mc:Choice Requires="p14">
       <p:transition spd="slow" p14:dur="1500">
         <p:random/>
       </p:transition>
     </mc:Choice>
-    <mc:Fallback>
+    <mc:Fallback xmlns="">
       <p:transition spd="slow">
         <p:random/>
       </p:transition>
@@ -19089,13 +18978,13 @@
   <p:clrMapOvr>
     <a:masterClrMapping/>
   </p:clrMapOvr>
-  <mc:AlternateContent xmlns:mc="http://schemas.openxmlformats.org/markup-compatibility/2006">
-    <mc:Choice xmlns:p14="http://schemas.microsoft.com/office/powerpoint/2010/main" Requires="p14">
+  <mc:AlternateContent xmlns:mc="http://schemas.openxmlformats.org/markup-compatibility/2006" xmlns:p14="http://schemas.microsoft.com/office/powerpoint/2010/main">
+    <mc:Choice Requires="p14">
       <p:transition spd="slow" p14:dur="1500">
         <p:random/>
       </p:transition>
     </mc:Choice>
-    <mc:Fallback>
+    <mc:Fallback xmlns="">
       <p:transition spd="slow">
         <p:random/>
       </p:transition>
@@ -19321,13 +19210,13 @@
   <p:clrMapOvr>
     <a:masterClrMapping/>
   </p:clrMapOvr>
-  <mc:AlternateContent xmlns:mc="http://schemas.openxmlformats.org/markup-compatibility/2006">
-    <mc:Choice xmlns:p14="http://schemas.microsoft.com/office/powerpoint/2010/main" Requires="p14">
+  <mc:AlternateContent xmlns:mc="http://schemas.openxmlformats.org/markup-compatibility/2006" xmlns:p14="http://schemas.microsoft.com/office/powerpoint/2010/main">
+    <mc:Choice Requires="p14">
       <p:transition spd="slow" p14:dur="1500">
         <p:random/>
       </p:transition>
     </mc:Choice>
-    <mc:Fallback>
+    <mc:Fallback xmlns="">
       <p:transition spd="slow">
         <p:random/>
       </p:transition>
@@ -19546,11 +19435,15 @@
                       <m:rPr>
                         <m:sty m:val="p"/>
                       </m:rPr>
-                      <a:rPr lang="en-US"/>
+                      <a:rPr lang="en-US">
+                        <a:latin typeface="Cambria Math" panose="02040503050406030204" pitchFamily="18" charset="0"/>
+                      </a:rPr>
                       <m:t>S</m:t>
                     </m:r>
                     <m:r>
-                      <a:rPr lang="en-US"/>
+                      <a:rPr lang="en-US">
+                        <a:latin typeface="Cambria Math" panose="02040503050406030204" pitchFamily="18" charset="0"/>
+                      </a:rPr>
                       <m:t>=</m:t>
                     </m:r>
                     <m:d>
@@ -19558,55 +19451,73 @@
                         <m:begChr m:val="{"/>
                         <m:endChr m:val="}"/>
                         <m:ctrlPr>
-                          <a:rPr lang="en-US" i="1"/>
+                          <a:rPr lang="en-US" i="1">
+                            <a:latin typeface="Cambria Math" panose="02040503050406030204" pitchFamily="18" charset="0"/>
+                          </a:rPr>
                         </m:ctrlPr>
                       </m:dPr>
                       <m:e>
                         <m:d>
                           <m:dPr>
                             <m:ctrlPr>
-                              <a:rPr lang="en-US" i="1"/>
+                              <a:rPr lang="en-US" i="1">
+                                <a:latin typeface="Cambria Math" panose="02040503050406030204" pitchFamily="18" charset="0"/>
+                              </a:rPr>
                             </m:ctrlPr>
                           </m:dPr>
                           <m:e>
                             <m:sSub>
                               <m:sSubPr>
                                 <m:ctrlPr>
-                                  <a:rPr lang="en-US" i="1"/>
+                                  <a:rPr lang="en-US" i="1">
+                                    <a:latin typeface="Cambria Math" panose="02040503050406030204" pitchFamily="18" charset="0"/>
+                                  </a:rPr>
                                 </m:ctrlPr>
                               </m:sSubPr>
                               <m:e>
                                 <m:r>
-                                  <a:rPr lang="en-US" i="1"/>
+                                  <a:rPr lang="en-US" i="1">
+                                    <a:latin typeface="Cambria Math" panose="02040503050406030204" pitchFamily="18" charset="0"/>
+                                  </a:rPr>
                                   <m:t>𝑥</m:t>
                                 </m:r>
                               </m:e>
                               <m:sub>
                                 <m:r>
-                                  <a:rPr lang="en-US" i="1"/>
+                                  <a:rPr lang="en-US" i="1">
+                                    <a:latin typeface="Cambria Math" panose="02040503050406030204" pitchFamily="18" charset="0"/>
+                                  </a:rPr>
                                   <m:t>1</m:t>
                                 </m:r>
                               </m:sub>
                             </m:sSub>
                             <m:r>
-                              <a:rPr lang="en-US"/>
+                              <a:rPr lang="en-US">
+                                <a:latin typeface="Cambria Math" panose="02040503050406030204" pitchFamily="18" charset="0"/>
+                              </a:rPr>
                               <m:t>, </m:t>
                             </m:r>
                             <m:sSub>
                               <m:sSubPr>
                                 <m:ctrlPr>
-                                  <a:rPr lang="en-US" i="1"/>
+                                  <a:rPr lang="en-US" i="1">
+                                    <a:latin typeface="Cambria Math" panose="02040503050406030204" pitchFamily="18" charset="0"/>
+                                  </a:rPr>
                                 </m:ctrlPr>
                               </m:sSubPr>
                               <m:e>
                                 <m:r>
-                                  <a:rPr lang="en-US" i="1"/>
+                                  <a:rPr lang="en-US" i="1">
+                                    <a:latin typeface="Cambria Math" panose="02040503050406030204" pitchFamily="18" charset="0"/>
+                                  </a:rPr>
                                   <m:t>𝑦</m:t>
                                 </m:r>
                               </m:e>
                               <m:sub>
                                 <m:r>
-                                  <a:rPr lang="en-US" i="1"/>
+                                  <a:rPr lang="en-US" i="1">
+                                    <a:latin typeface="Cambria Math" panose="02040503050406030204" pitchFamily="18" charset="0"/>
+                                  </a:rPr>
                                   <m:t>1</m:t>
                                 </m:r>
                               </m:sub>
@@ -19614,54 +19525,72 @@
                           </m:e>
                         </m:d>
                         <m:r>
-                          <a:rPr lang="en-US"/>
+                          <a:rPr lang="en-US">
+                            <a:latin typeface="Cambria Math" panose="02040503050406030204" pitchFamily="18" charset="0"/>
+                          </a:rPr>
                           <m:t>…</m:t>
                         </m:r>
                         <m:d>
                           <m:dPr>
                             <m:ctrlPr>
-                              <a:rPr lang="en-US" i="1"/>
+                              <a:rPr lang="en-US" i="1">
+                                <a:latin typeface="Cambria Math" panose="02040503050406030204" pitchFamily="18" charset="0"/>
+                              </a:rPr>
                             </m:ctrlPr>
                           </m:dPr>
                           <m:e>
                             <m:sSub>
                               <m:sSubPr>
                                 <m:ctrlPr>
-                                  <a:rPr lang="en-US" i="1"/>
+                                  <a:rPr lang="en-US" i="1">
+                                    <a:latin typeface="Cambria Math" panose="02040503050406030204" pitchFamily="18" charset="0"/>
+                                  </a:rPr>
                                 </m:ctrlPr>
                               </m:sSubPr>
                               <m:e>
                                 <m:r>
-                                  <a:rPr lang="en-US" i="1"/>
+                                  <a:rPr lang="en-US" i="1">
+                                    <a:latin typeface="Cambria Math" panose="02040503050406030204" pitchFamily="18" charset="0"/>
+                                  </a:rPr>
                                   <m:t>𝑥</m:t>
                                 </m:r>
                               </m:e>
                               <m:sub>
                                 <m:r>
-                                  <a:rPr lang="en-US" i="1"/>
+                                  <a:rPr lang="en-US" i="1">
+                                    <a:latin typeface="Cambria Math" panose="02040503050406030204" pitchFamily="18" charset="0"/>
+                                  </a:rPr>
                                   <m:t>𝑛</m:t>
                                 </m:r>
                               </m:sub>
                             </m:sSub>
                             <m:r>
-                              <a:rPr lang="en-US"/>
+                              <a:rPr lang="en-US">
+                                <a:latin typeface="Cambria Math" panose="02040503050406030204" pitchFamily="18" charset="0"/>
+                              </a:rPr>
                               <m:t>, </m:t>
                             </m:r>
                             <m:sSub>
                               <m:sSubPr>
                                 <m:ctrlPr>
-                                  <a:rPr lang="en-US" i="1"/>
+                                  <a:rPr lang="en-US" i="1">
+                                    <a:latin typeface="Cambria Math" panose="02040503050406030204" pitchFamily="18" charset="0"/>
+                                  </a:rPr>
                                 </m:ctrlPr>
                               </m:sSubPr>
                               <m:e>
                                 <m:r>
-                                  <a:rPr lang="en-US" i="1"/>
+                                  <a:rPr lang="en-US" i="1">
+                                    <a:latin typeface="Cambria Math" panose="02040503050406030204" pitchFamily="18" charset="0"/>
+                                  </a:rPr>
                                   <m:t>𝑦</m:t>
                                 </m:r>
                               </m:e>
                               <m:sub>
                                 <m:r>
-                                  <a:rPr lang="en-US" i="1"/>
+                                  <a:rPr lang="en-US" i="1">
+                                    <a:latin typeface="Cambria Math" panose="02040503050406030204" pitchFamily="18" charset="0"/>
+                                  </a:rPr>
                                   <m:t>𝑛</m:t>
                                 </m:r>
                               </m:sub>
@@ -19671,30 +19600,40 @@
                       </m:e>
                     </m:d>
                     <m:r>
-                      <a:rPr lang="en-US" i="1"/>
+                      <a:rPr lang="en-US" i="1">
+                        <a:latin typeface="Cambria Math" panose="02040503050406030204" pitchFamily="18" charset="0"/>
+                      </a:rPr>
                       <m:t> ∈ </m:t>
                     </m:r>
                     <m:sSup>
                       <m:sSupPr>
                         <m:ctrlPr>
-                          <a:rPr lang="en-US" i="1"/>
+                          <a:rPr lang="en-US" i="1">
+                            <a:latin typeface="Cambria Math" panose="02040503050406030204" pitchFamily="18" charset="0"/>
+                          </a:rPr>
                         </m:ctrlPr>
                       </m:sSupPr>
                       <m:e>
                         <m:r>
-                          <a:rPr lang="en-US" i="1"/>
+                          <a:rPr lang="en-US" i="1">
+                            <a:latin typeface="Cambria Math" panose="02040503050406030204" pitchFamily="18" charset="0"/>
+                          </a:rPr>
                           <m:t>𝑅</m:t>
                         </m:r>
                       </m:e>
                       <m:sup>
                         <m:r>
-                          <a:rPr lang="en-US" i="1"/>
+                          <a:rPr lang="en-US" i="1">
+                            <a:latin typeface="Cambria Math" panose="02040503050406030204" pitchFamily="18" charset="0"/>
+                          </a:rPr>
                           <m:t>𝑛</m:t>
                         </m:r>
                       </m:sup>
                     </m:sSup>
                     <m:r>
-                      <a:rPr lang="en-US" i="1"/>
+                      <a:rPr lang="en-US" i="1">
+                        <a:latin typeface="Cambria Math" panose="02040503050406030204" pitchFamily="18" charset="0"/>
+                      </a:rPr>
                       <m:t> ×{−1 , 1}</m:t>
                     </m:r>
                   </m:oMath>
@@ -20383,7 +20322,29 @@
                         </a:solidFill>
                         <a:latin typeface="Cambria Math" panose="02040503050406030204" pitchFamily="18" charset="0"/>
                       </a:rPr>
-                      <m:t>0&lt; </m:t>
+                      <m:t>0</m:t>
+                    </m:r>
+                    <m:r>
+                      <a:rPr lang="en-US" b="0" i="0" smtClean="0">
+                        <a:solidFill>
+                          <a:schemeClr val="accent2">
+                            <a:lumMod val="50000"/>
+                          </a:schemeClr>
+                        </a:solidFill>
+                        <a:latin typeface="Cambria Math" panose="02040503050406030204" pitchFamily="18" charset="0"/>
+                      </a:rPr>
+                      <m:t>≤</m:t>
+                    </m:r>
+                    <m:r>
+                      <a:rPr lang="en-US">
+                        <a:solidFill>
+                          <a:schemeClr val="accent2">
+                            <a:lumMod val="50000"/>
+                          </a:schemeClr>
+                        </a:solidFill>
+                        <a:latin typeface="Cambria Math" panose="02040503050406030204" pitchFamily="18" charset="0"/>
+                      </a:rPr>
+                      <m:t> </m:t>
                     </m:r>
                     <m:sSub>
                       <m:sSubPr>
@@ -20426,6 +20387,17 @@
                       </m:sub>
                     </m:sSub>
                     <m:r>
+                      <a:rPr lang="en-US" b="0" i="1" smtClean="0">
+                        <a:solidFill>
+                          <a:schemeClr val="accent2">
+                            <a:lumMod val="50000"/>
+                          </a:schemeClr>
+                        </a:solidFill>
+                        <a:latin typeface="Cambria Math" panose="02040503050406030204" pitchFamily="18" charset="0"/>
+                      </a:rPr>
+                      <m:t>≤</m:t>
+                    </m:r>
+                    <m:r>
                       <a:rPr lang="en-US" i="1">
                         <a:solidFill>
                           <a:schemeClr val="accent2">
@@ -20434,7 +20406,7 @@
                         </a:solidFill>
                         <a:latin typeface="Cambria Math" panose="02040503050406030204" pitchFamily="18" charset="0"/>
                       </a:rPr>
-                      <m:t>&lt; ∁</m:t>
+                      <m:t> ∁</m:t>
                     </m:r>
                   </m:oMath>
                 </a14:m>
@@ -21252,7 +21224,7 @@
               <a:blipFill rotWithShape="0">
                 <a:blip r:embed="rId2"/>
                 <a:stretch>
-                  <a:fillRect l="-963" t="-508" b="-7497"/>
+                  <a:fillRect l="-963" t="-889" b="-6226"/>
                 </a:stretch>
               </a:blipFill>
             </p:spPr>
@@ -21343,13 +21315,13 @@
   <p:clrMapOvr>
     <a:masterClrMapping/>
   </p:clrMapOvr>
-  <mc:AlternateContent xmlns:mc="http://schemas.openxmlformats.org/markup-compatibility/2006">
-    <mc:Choice xmlns:p14="http://schemas.microsoft.com/office/powerpoint/2010/main" Requires="p14">
+  <mc:AlternateContent xmlns:mc="http://schemas.openxmlformats.org/markup-compatibility/2006" xmlns:p14="http://schemas.microsoft.com/office/powerpoint/2010/main">
+    <mc:Choice Requires="p14">
       <p:transition spd="slow" p14:dur="1500">
         <p:random/>
       </p:transition>
     </mc:Choice>
-    <mc:Fallback>
+    <mc:Fallback xmlns="">
       <p:transition spd="slow">
         <p:random/>
       </p:transition>
@@ -21458,54 +21430,38 @@
             </a:r>
             <a:r>
               <a:rPr lang="en-US"/>
-              <a:t>more and more complicated </a:t>
+              <a:t>more and more complicated as </a:t>
+            </a:r>
+            <a:r>
+              <a:rPr lang="en-US" smtClean="0"/>
+              <a:t>the number </a:t>
             </a:r>
             <a:r>
               <a:rPr lang="en-US"/>
-              <a:t>as </a:t>
-            </a:r>
-            <a:r>
-              <a:rPr lang="en-US" smtClean="0"/>
-              <a:t>the number </a:t>
+              <a:t>of classes </a:t>
+            </a:r>
+            <a:r>
+              <a:rPr lang="en-US" smtClean="0"/>
+              <a:t>increases</a:t>
+            </a:r>
+          </a:p>
+          <a:p>
+            <a:pPr lvl="1"/>
+            <a:r>
+              <a:rPr lang="en-US" smtClean="0"/>
+              <a:t>Any </a:t>
             </a:r>
             <a:r>
               <a:rPr lang="en-US"/>
-              <a:t>of </a:t>
+              <a:t>time a class is </a:t>
+            </a:r>
+            <a:r>
+              <a:rPr lang="en-US" smtClean="0"/>
+              <a:t>added, all </a:t>
             </a:r>
             <a:r>
               <a:rPr lang="en-US"/>
-              <a:t>classes </a:t>
-            </a:r>
-            <a:r>
-              <a:rPr lang="en-US" smtClean="0"/>
-              <a:t>increases</a:t>
-            </a:r>
-          </a:p>
-          <a:p>
-            <a:pPr lvl="1"/>
-            <a:r>
-              <a:rPr lang="en-US" smtClean="0"/>
-              <a:t>Any </a:t>
-            </a:r>
-            <a:r>
-              <a:rPr lang="en-US"/>
-              <a:t>time a class </a:t>
-            </a:r>
-            <a:r>
-              <a:rPr lang="en-US"/>
-              <a:t>is </a:t>
-            </a:r>
-            <a:r>
-              <a:rPr lang="en-US" smtClean="0"/>
-              <a:t>added, all </a:t>
-            </a:r>
-            <a:r>
-              <a:rPr lang="en-US"/>
-              <a:t>classifiers have to </a:t>
-            </a:r>
-            <a:r>
-              <a:rPr lang="en-US"/>
-              <a:t>be </a:t>
+              <a:t>classifiers have to be </a:t>
             </a:r>
             <a:r>
               <a:rPr lang="en-US" smtClean="0"/>
@@ -21553,13 +21509,13 @@
   <p:clrMapOvr>
     <a:masterClrMapping/>
   </p:clrMapOvr>
-  <mc:AlternateContent xmlns:mc="http://schemas.openxmlformats.org/markup-compatibility/2006">
-    <mc:Choice xmlns:p14="http://schemas.microsoft.com/office/powerpoint/2010/main" Requires="p14">
+  <mc:AlternateContent xmlns:mc="http://schemas.openxmlformats.org/markup-compatibility/2006" xmlns:p14="http://schemas.microsoft.com/office/powerpoint/2010/main">
+    <mc:Choice Requires="p14">
       <p:transition spd="slow" p14:dur="1500">
         <p:random/>
       </p:transition>
     </mc:Choice>
-    <mc:Fallback>
+    <mc:Fallback xmlns="">
       <p:transition spd="slow">
         <p:random/>
       </p:transition>
@@ -21619,8 +21575,8 @@
           </a:p>
         </p:txBody>
       </p:sp>
-      <mc:AlternateContent xmlns:mc="http://schemas.openxmlformats.org/markup-compatibility/2006">
-        <mc:Choice xmlns:a14="http://schemas.microsoft.com/office/drawing/2010/main" Requires="a14">
+      <mc:AlternateContent xmlns:mc="http://schemas.openxmlformats.org/markup-compatibility/2006" xmlns:a14="http://schemas.microsoft.com/office/drawing/2010/main">
+        <mc:Choice Requires="a14">
           <p:sp>
             <p:nvSpPr>
               <p:cNvPr id="3" name="Content Placeholder 2"/>
@@ -21642,11 +21598,7 @@
                 </a:r>
                 <a:r>
                   <a:rPr lang="en-US"/>
-                  <a:t>of the </a:t>
-                </a:r>
-                <a:r>
-                  <a:rPr lang="en-US"/>
-                  <a:t>SVM </a:t>
+                  <a:t>of the SVM </a:t>
                 </a:r>
                 <a:r>
                   <a:rPr lang="en-US" smtClean="0"/>
@@ -21731,11 +21683,7 @@
                 </a:r>
                 <a:r>
                   <a:rPr lang="en-US"/>
-                  <a:t>multiple scale parameters for </a:t>
-                </a:r>
-                <a:r>
-                  <a:rPr lang="en-US"/>
-                  <a:t>the </a:t>
+                  <a:t>multiple scale parameters for the </a:t>
                 </a:r>
                 <a:r>
                   <a:rPr lang="en-US" smtClean="0"/>
@@ -21754,7 +21702,7 @@
             </p:txBody>
           </p:sp>
         </mc:Choice>
-        <mc:Fallback>
+        <mc:Fallback xmlns="">
           <p:sp>
             <p:nvSpPr>
               <p:cNvPr id="3" name="Content Placeholder 2"/>
@@ -21822,13 +21770,13 @@
   <p:clrMapOvr>
     <a:masterClrMapping/>
   </p:clrMapOvr>
-  <mc:AlternateContent xmlns:mc="http://schemas.openxmlformats.org/markup-compatibility/2006">
-    <mc:Choice xmlns:p14="http://schemas.microsoft.com/office/powerpoint/2010/main" Requires="p14">
+  <mc:AlternateContent xmlns:mc="http://schemas.openxmlformats.org/markup-compatibility/2006" xmlns:p14="http://schemas.microsoft.com/office/powerpoint/2010/main">
+    <mc:Choice Requires="p14">
       <p:transition spd="slow" p14:dur="1500">
         <p:random/>
       </p:transition>
     </mc:Choice>
-    <mc:Fallback>
+    <mc:Fallback xmlns="">
       <p:transition spd="slow">
         <p:random/>
       </p:transition>
@@ -21963,11 +21911,7 @@
             </a:r>
             <a:r>
               <a:rPr lang="en-US"/>
-              <a:t>the right </a:t>
-            </a:r>
-            <a:r>
-              <a:rPr lang="en-US"/>
-              <a:t>distance </a:t>
+              <a:t>the right distance </a:t>
             </a:r>
             <a:r>
               <a:rPr lang="en-US" smtClean="0"/>
@@ -21982,15 +21926,7 @@
             <a:pPr lvl="1"/>
             <a:r>
               <a:rPr lang="en-US" smtClean="0"/>
-              <a:t>Classifier </a:t>
-            </a:r>
-            <a:r>
-              <a:rPr lang="en-US" smtClean="0"/>
-              <a:t>is computationally </a:t>
-            </a:r>
-            <a:r>
-              <a:rPr lang="en-US" smtClean="0"/>
-              <a:t>efficient</a:t>
+              <a:t>Classifier is computationally efficient</a:t>
             </a:r>
           </a:p>
           <a:p>
@@ -22003,7 +21939,6 @@
               <a:rPr lang="en-US"/>
               <a:t>multiclass problems effortlessly</a:t>
             </a:r>
-            <a:endParaRPr lang="en-US"/>
           </a:p>
         </p:txBody>
       </p:sp>
@@ -22041,13 +21976,13 @@
   <p:clrMapOvr>
     <a:masterClrMapping/>
   </p:clrMapOvr>
-  <mc:AlternateContent xmlns:mc="http://schemas.openxmlformats.org/markup-compatibility/2006">
-    <mc:Choice xmlns:p14="http://schemas.microsoft.com/office/powerpoint/2010/main" Requires="p14">
+  <mc:AlternateContent xmlns:mc="http://schemas.openxmlformats.org/markup-compatibility/2006" xmlns:p14="http://schemas.microsoft.com/office/powerpoint/2010/main">
+    <mc:Choice Requires="p14">
       <p:transition spd="slow" p14:dur="1500">
         <p:random/>
       </p:transition>
     </mc:Choice>
-    <mc:Fallback>
+    <mc:Fallback xmlns="">
       <p:transition spd="slow">
         <p:random/>
       </p:transition>
@@ -22102,8 +22037,8 @@
           </a:p>
         </p:txBody>
       </p:sp>
-      <mc:AlternateContent xmlns:mc="http://schemas.openxmlformats.org/markup-compatibility/2006">
-        <mc:Choice xmlns:a14="http://schemas.microsoft.com/office/drawing/2010/main" Requires="a14">
+      <mc:AlternateContent xmlns:mc="http://schemas.openxmlformats.org/markup-compatibility/2006" xmlns:a14="http://schemas.microsoft.com/office/drawing/2010/main">
+        <mc:Choice Requires="a14">
           <p:sp>
             <p:nvSpPr>
               <p:cNvPr id="3" name="Content Placeholder 2"/>
@@ -22121,11 +22056,7 @@
               <a:p>
                 <a:r>
                   <a:rPr lang="en-US"/>
-                  <a:t>K neighbors of </a:t>
-                </a:r>
-                <a:r>
-                  <a:rPr lang="en-US"/>
-                  <a:t>the </a:t>
+                  <a:t>K neighbors of the </a:t>
                 </a:r>
                 <a:r>
                   <a:rPr lang="en-US" smtClean="0"/>
@@ -22298,6 +22229,7 @@
                                   <a:lumMod val="50000"/>
                                 </a:schemeClr>
                               </a:solidFill>
+                              <a:latin typeface="Cambria Math" panose="02040503050406030204" pitchFamily="18" charset="0"/>
                             </a:rPr>
                           </m:ctrlPr>
                         </m:fPr>
@@ -22313,6 +22245,7 @@
                                       <a:lumMod val="50000"/>
                                     </a:schemeClr>
                                   </a:solidFill>
+                                  <a:latin typeface="Cambria Math" panose="02040503050406030204" pitchFamily="18" charset="0"/>
                                 </a:rPr>
                               </m:ctrlPr>
                             </m:naryPr>
@@ -22324,6 +22257,7 @@
                                       <a:lumMod val="50000"/>
                                     </a:schemeClr>
                                   </a:solidFill>
+                                  <a:latin typeface="Cambria Math" panose="02040503050406030204" pitchFamily="18" charset="0"/>
                                 </a:rPr>
                                 <m:t>𝑗</m:t>
                               </m:r>
@@ -22334,6 +22268,7 @@
                                       <a:lumMod val="50000"/>
                                     </a:schemeClr>
                                   </a:solidFill>
+                                  <a:latin typeface="Cambria Math" panose="02040503050406030204" pitchFamily="18" charset="0"/>
                                 </a:rPr>
                                 <m:t>=1</m:t>
                               </m:r>
@@ -22346,6 +22281,7 @@
                                       <a:lumMod val="50000"/>
                                     </a:schemeClr>
                                   </a:solidFill>
+                                  <a:latin typeface="Cambria Math" panose="02040503050406030204" pitchFamily="18" charset="0"/>
                                 </a:rPr>
                                 <m:t>𝐾</m:t>
                               </m:r>
@@ -22358,6 +22294,7 @@
                                       <a:lumMod val="50000"/>
                                     </a:schemeClr>
                                   </a:solidFill>
+                                  <a:latin typeface="Cambria Math" panose="02040503050406030204" pitchFamily="18" charset="0"/>
                                 </a:rPr>
                                 <m:t>𝑦</m:t>
                               </m:r>
@@ -22370,6 +22307,7 @@
                                           <a:lumMod val="50000"/>
                                         </a:schemeClr>
                                       </a:solidFill>
+                                      <a:latin typeface="Cambria Math" panose="02040503050406030204" pitchFamily="18" charset="0"/>
                                     </a:rPr>
                                   </m:ctrlPr>
                                 </m:dPr>
@@ -22383,6 +22321,7 @@
                                               <a:lumMod val="50000"/>
                                             </a:schemeClr>
                                           </a:solidFill>
+                                          <a:latin typeface="Cambria Math" panose="02040503050406030204" pitchFamily="18" charset="0"/>
                                         </a:rPr>
                                       </m:ctrlPr>
                                     </m:sSubPr>
@@ -22394,6 +22333,7 @@
                                               <a:lumMod val="50000"/>
                                             </a:schemeClr>
                                           </a:solidFill>
+                                          <a:latin typeface="Cambria Math" panose="02040503050406030204" pitchFamily="18" charset="0"/>
                                         </a:rPr>
                                         <m:t>𝑥</m:t>
                                       </m:r>
@@ -22406,6 +22346,7 @@
                                               <a:lumMod val="50000"/>
                                             </a:schemeClr>
                                           </a:solidFill>
+                                          <a:latin typeface="Cambria Math" panose="02040503050406030204" pitchFamily="18" charset="0"/>
                                         </a:rPr>
                                         <m:t>𝑗</m:t>
                                       </m:r>
@@ -22420,6 +22361,7 @@
                                       <a:lumMod val="50000"/>
                                     </a:schemeClr>
                                   </a:solidFill>
+                                  <a:latin typeface="Cambria Math" panose="02040503050406030204" pitchFamily="18" charset="0"/>
                                 </a:rPr>
                                 <m:t>𝑘</m:t>
                               </m:r>
@@ -22432,6 +22374,7 @@
                                           <a:lumMod val="50000"/>
                                         </a:schemeClr>
                                       </a:solidFill>
+                                      <a:latin typeface="Cambria Math" panose="02040503050406030204" pitchFamily="18" charset="0"/>
                                     </a:rPr>
                                   </m:ctrlPr>
                                 </m:dPr>
@@ -22445,6 +22388,7 @@
                                               <a:lumMod val="50000"/>
                                             </a:schemeClr>
                                           </a:solidFill>
+                                          <a:latin typeface="Cambria Math" panose="02040503050406030204" pitchFamily="18" charset="0"/>
                                         </a:rPr>
                                       </m:ctrlPr>
                                     </m:sSubPr>
@@ -22456,6 +22400,7 @@
                                               <a:lumMod val="50000"/>
                                             </a:schemeClr>
                                           </a:solidFill>
+                                          <a:latin typeface="Cambria Math" panose="02040503050406030204" pitchFamily="18" charset="0"/>
                                         </a:rPr>
                                         <m:t>𝑥</m:t>
                                       </m:r>
@@ -22468,6 +22413,7 @@
                                               <a:lumMod val="50000"/>
                                             </a:schemeClr>
                                           </a:solidFill>
+                                          <a:latin typeface="Cambria Math" panose="02040503050406030204" pitchFamily="18" charset="0"/>
                                         </a:rPr>
                                         <m:t>𝑗</m:t>
                                       </m:r>
@@ -22480,6 +22426,7 @@
                                           <a:lumMod val="50000"/>
                                         </a:schemeClr>
                                       </a:solidFill>
+                                      <a:latin typeface="Cambria Math" panose="02040503050406030204" pitchFamily="18" charset="0"/>
                                     </a:rPr>
                                     <m:t>,</m:t>
                                   </m:r>
@@ -22492,6 +22439,7 @@
                                               <a:lumMod val="50000"/>
                                             </a:schemeClr>
                                           </a:solidFill>
+                                          <a:latin typeface="Cambria Math" panose="02040503050406030204" pitchFamily="18" charset="0"/>
                                         </a:rPr>
                                       </m:ctrlPr>
                                     </m:sSubPr>
@@ -22503,6 +22451,7 @@
                                               <a:lumMod val="50000"/>
                                             </a:schemeClr>
                                           </a:solidFill>
+                                          <a:latin typeface="Cambria Math" panose="02040503050406030204" pitchFamily="18" charset="0"/>
                                         </a:rPr>
                                         <m:t>𝑥</m:t>
                                       </m:r>
@@ -22515,6 +22464,7 @@
                                               <a:lumMod val="50000"/>
                                             </a:schemeClr>
                                           </a:solidFill>
+                                          <a:latin typeface="Cambria Math" panose="02040503050406030204" pitchFamily="18" charset="0"/>
                                         </a:rPr>
                                         <m:t>0</m:t>
                                       </m:r>
@@ -22537,6 +22487,7 @@
                                       <a:lumMod val="50000"/>
                                     </a:schemeClr>
                                   </a:solidFill>
+                                  <a:latin typeface="Cambria Math" panose="02040503050406030204" pitchFamily="18" charset="0"/>
                                 </a:rPr>
                               </m:ctrlPr>
                             </m:naryPr>
@@ -22548,6 +22499,7 @@
                                       <a:lumMod val="50000"/>
                                     </a:schemeClr>
                                   </a:solidFill>
+                                  <a:latin typeface="Cambria Math" panose="02040503050406030204" pitchFamily="18" charset="0"/>
                                 </a:rPr>
                                 <m:t>𝑗</m:t>
                               </m:r>
@@ -22558,6 +22510,7 @@
                                       <a:lumMod val="50000"/>
                                     </a:schemeClr>
                                   </a:solidFill>
+                                  <a:latin typeface="Cambria Math" panose="02040503050406030204" pitchFamily="18" charset="0"/>
                                 </a:rPr>
                                 <m:t>=1</m:t>
                               </m:r>
@@ -22570,6 +22523,7 @@
                                       <a:lumMod val="50000"/>
                                     </a:schemeClr>
                                   </a:solidFill>
+                                  <a:latin typeface="Cambria Math" panose="02040503050406030204" pitchFamily="18" charset="0"/>
                                 </a:rPr>
                                 <m:t>𝐾</m:t>
                               </m:r>
@@ -22582,6 +22536,7 @@
                                       <a:lumMod val="50000"/>
                                     </a:schemeClr>
                                   </a:solidFill>
+                                  <a:latin typeface="Cambria Math" panose="02040503050406030204" pitchFamily="18" charset="0"/>
                                 </a:rPr>
                                 <m:t>𝑘</m:t>
                               </m:r>
@@ -22594,6 +22549,7 @@
                                           <a:lumMod val="50000"/>
                                         </a:schemeClr>
                                       </a:solidFill>
+                                      <a:latin typeface="Cambria Math" panose="02040503050406030204" pitchFamily="18" charset="0"/>
                                     </a:rPr>
                                   </m:ctrlPr>
                                 </m:dPr>
@@ -22607,6 +22563,7 @@
                                               <a:lumMod val="50000"/>
                                             </a:schemeClr>
                                           </a:solidFill>
+                                          <a:latin typeface="Cambria Math" panose="02040503050406030204" pitchFamily="18" charset="0"/>
                                         </a:rPr>
                                       </m:ctrlPr>
                                     </m:sSubPr>
@@ -22618,6 +22575,7 @@
                                               <a:lumMod val="50000"/>
                                             </a:schemeClr>
                                           </a:solidFill>
+                                          <a:latin typeface="Cambria Math" panose="02040503050406030204" pitchFamily="18" charset="0"/>
                                         </a:rPr>
                                         <m:t>𝑥</m:t>
                                       </m:r>
@@ -22630,6 +22588,7 @@
                                               <a:lumMod val="50000"/>
                                             </a:schemeClr>
                                           </a:solidFill>
+                                          <a:latin typeface="Cambria Math" panose="02040503050406030204" pitchFamily="18" charset="0"/>
                                         </a:rPr>
                                         <m:t>𝑗</m:t>
                                       </m:r>
@@ -22642,6 +22601,7 @@
                                           <a:lumMod val="50000"/>
                                         </a:schemeClr>
                                       </a:solidFill>
+                                      <a:latin typeface="Cambria Math" panose="02040503050406030204" pitchFamily="18" charset="0"/>
                                     </a:rPr>
                                     <m:t>,</m:t>
                                   </m:r>
@@ -22654,6 +22614,7 @@
                                               <a:lumMod val="50000"/>
                                             </a:schemeClr>
                                           </a:solidFill>
+                                          <a:latin typeface="Cambria Math" panose="02040503050406030204" pitchFamily="18" charset="0"/>
                                         </a:rPr>
                                       </m:ctrlPr>
                                     </m:sSubPr>
@@ -22665,6 +22626,7 @@
                                               <a:lumMod val="50000"/>
                                             </a:schemeClr>
                                           </a:solidFill>
+                                          <a:latin typeface="Cambria Math" panose="02040503050406030204" pitchFamily="18" charset="0"/>
                                         </a:rPr>
                                         <m:t>𝑥</m:t>
                                       </m:r>
@@ -22677,6 +22639,7 @@
                                               <a:lumMod val="50000"/>
                                             </a:schemeClr>
                                           </a:solidFill>
+                                          <a:latin typeface="Cambria Math" panose="02040503050406030204" pitchFamily="18" charset="0"/>
                                         </a:rPr>
                                         <m:t>0</m:t>
                                       </m:r>
@@ -22700,11 +22663,7 @@
                 </a:r>
                 <a:r>
                   <a:rPr lang="en-US"/>
-                  <a:t>recognition performance is </a:t>
-                </a:r>
-                <a:r>
-                  <a:rPr lang="en-US"/>
-                  <a:t>achieved </a:t>
+                  <a:t>recognition performance is achieved </a:t>
                 </a:r>
                 <a:r>
                   <a:rPr lang="en-US" smtClean="0"/>
@@ -22712,11 +22671,7 @@
                 </a:r>
                 <a:r>
                   <a:rPr lang="en-US"/>
-                  <a:t>the right similarity measure to </a:t>
-                </a:r>
-                <a:r>
-                  <a:rPr lang="en-US"/>
-                  <a:t>the </a:t>
+                  <a:t>the right similarity measure to the </a:t>
                 </a:r>
                 <a:r>
                   <a:rPr lang="en-US" smtClean="0"/>
@@ -22730,11 +22685,7 @@
                 </a:r>
                 <a:r>
                   <a:rPr lang="en-US"/>
-                  <a:t>of the information required to make decision </a:t>
-                </a:r>
-                <a:r>
-                  <a:rPr lang="en-US"/>
-                  <a:t>about </a:t>
+                  <a:t>of the information required to make decision about </a:t>
                 </a:r>
                 <a:r>
                   <a:rPr lang="en-US" smtClean="0"/>
@@ -22748,7 +22699,7 @@
             </p:txBody>
           </p:sp>
         </mc:Choice>
-        <mc:Fallback>
+        <mc:Fallback xmlns="">
           <p:sp>
             <p:nvSpPr>
               <p:cNvPr id="3" name="Content Placeholder 2"/>
@@ -22816,13 +22767,13 @@
   <p:clrMapOvr>
     <a:masterClrMapping/>
   </p:clrMapOvr>
-  <mc:AlternateContent xmlns:mc="http://schemas.openxmlformats.org/markup-compatibility/2006">
-    <mc:Choice xmlns:p14="http://schemas.microsoft.com/office/powerpoint/2010/main" Requires="p14">
+  <mc:AlternateContent xmlns:mc="http://schemas.openxmlformats.org/markup-compatibility/2006" xmlns:p14="http://schemas.microsoft.com/office/powerpoint/2010/main">
+    <mc:Choice Requires="p14">
       <p:transition spd="slow" p14:dur="1500">
         <p:random/>
       </p:transition>
     </mc:Choice>
-    <mc:Fallback>
+    <mc:Fallback xmlns="">
       <p:transition spd="slow">
         <p:random/>
       </p:transition>
@@ -22990,13 +22941,13 @@
   <p:clrMapOvr>
     <a:masterClrMapping/>
   </p:clrMapOvr>
-  <mc:AlternateContent xmlns:mc="http://schemas.openxmlformats.org/markup-compatibility/2006">
-    <mc:Choice xmlns:p14="http://schemas.microsoft.com/office/powerpoint/2010/main" Requires="p14">
+  <mc:AlternateContent xmlns:mc="http://schemas.openxmlformats.org/markup-compatibility/2006" xmlns:p14="http://schemas.microsoft.com/office/powerpoint/2010/main">
+    <mc:Choice Requires="p14">
       <p:transition spd="slow" p14:dur="1500">
         <p:random/>
       </p:transition>
     </mc:Choice>
-    <mc:Fallback>
+    <mc:Fallback xmlns="">
       <p:transition spd="slow">
         <p:random/>
       </p:transition>

--- a/Local Adaptive SVM for Object Recognition.pptx
+++ b/Local Adaptive SVM for Object Recognition.pptx
@@ -269,7 +269,7 @@
           <a:p>
             <a:fld id="{3D3C0004-2429-4EF5-90FF-6D920603CCA6}" type="datetimeFigureOut">
               <a:rPr lang="en-US" smtClean="0"/>
-              <a:t>15/10/2014</a:t>
+              <a:t>16/10/2014</a:t>
             </a:fld>
             <a:endParaRPr lang="en-US"/>
           </a:p>
@@ -434,7 +434,7 @@
           <a:p>
             <a:fld id="{338C645B-E694-4194-92C0-EC8651A1DDF6}" type="datetimeFigureOut">
               <a:rPr lang="en-US" smtClean="0"/>
-              <a:t>15/10/2014</a:t>
+              <a:t>16/10/2014</a:t>
             </a:fld>
             <a:endParaRPr lang="en-US"/>
           </a:p>
@@ -756,7 +756,7 @@
             </a:r>
             <a:r>
               <a:rPr lang="en-US" baseline="0" smtClean="0"/>
-              <a:t>1.1</a:t>
+              <a:t>1.1.1</a:t>
             </a:r>
             <a:endParaRPr lang="en-US" baseline="0" smtClean="0"/>
           </a:p>
@@ -767,7 +767,7 @@
             </a:r>
             <a:r>
               <a:rPr lang="en-US" baseline="0" smtClean="0"/>
-              <a:t>15, </a:t>
+              <a:t>16, </a:t>
             </a:r>
             <a:r>
               <a:rPr lang="en-US" baseline="0" smtClean="0"/>
@@ -804,6 +804,90 @@
     <p:extLst>
       <p:ext uri="{BB962C8B-B14F-4D97-AF65-F5344CB8AC3E}">
         <p14:creationId xmlns:p14="http://schemas.microsoft.com/office/powerpoint/2010/main" val="3777827593"/>
+      </p:ext>
+    </p:extLst>
+  </p:cSld>
+  <p:clrMapOvr>
+    <a:masterClrMapping/>
+  </p:clrMapOvr>
+</p:notes>
+</file>
+
+<file path=ppt/notesSlides/notesSlide10.xml><?xml version="1.0" encoding="utf-8"?>
+<p:notes xmlns:a="http://schemas.openxmlformats.org/drawingml/2006/main" xmlns:r="http://schemas.openxmlformats.org/officeDocument/2006/relationships" xmlns:p="http://schemas.openxmlformats.org/presentationml/2006/main">
+  <p:cSld>
+    <p:spTree>
+      <p:nvGrpSpPr>
+        <p:cNvPr id="1" name=""/>
+        <p:cNvGrpSpPr/>
+        <p:nvPr/>
+      </p:nvGrpSpPr>
+      <p:grpSpPr>
+        <a:xfrm>
+          <a:off x="0" y="0"/>
+          <a:ext cx="0" cy="0"/>
+          <a:chOff x="0" y="0"/>
+          <a:chExt cx="0" cy="0"/>
+        </a:xfrm>
+      </p:grpSpPr>
+      <p:sp>
+        <p:nvSpPr>
+          <p:cNvPr id="2" name="Slide Image Placeholder 1"/>
+          <p:cNvSpPr>
+            <a:spLocks noGrp="1" noRot="1" noChangeAspect="1"/>
+          </p:cNvSpPr>
+          <p:nvPr>
+            <p:ph type="sldImg"/>
+          </p:nvPr>
+        </p:nvSpPr>
+        <p:spPr/>
+      </p:sp>
+      <p:sp>
+        <p:nvSpPr>
+          <p:cNvPr id="3" name="Notes Placeholder 2"/>
+          <p:cNvSpPr>
+            <a:spLocks noGrp="1"/>
+          </p:cNvSpPr>
+          <p:nvPr>
+            <p:ph type="body" idx="1"/>
+          </p:nvPr>
+        </p:nvSpPr>
+        <p:spPr/>
+        <p:txBody>
+          <a:bodyPr/>
+          <a:lstStyle/>
+          <a:p>
+            <a:endParaRPr lang="en-US"/>
+          </a:p>
+        </p:txBody>
+      </p:sp>
+      <p:sp>
+        <p:nvSpPr>
+          <p:cNvPr id="4" name="Slide Number Placeholder 3"/>
+          <p:cNvSpPr>
+            <a:spLocks noGrp="1"/>
+          </p:cNvSpPr>
+          <p:nvPr>
+            <p:ph type="sldNum" sz="quarter" idx="10"/>
+          </p:nvPr>
+        </p:nvSpPr>
+        <p:spPr/>
+        <p:txBody>
+          <a:bodyPr/>
+          <a:lstStyle/>
+          <a:p>
+            <a:fld id="{B1B799E3-7B79-4750-A540-F3E29E727FAD}" type="slidenum">
+              <a:rPr lang="en-US" smtClean="0"/>
+              <a:t>29</a:t>
+            </a:fld>
+            <a:endParaRPr lang="en-US"/>
+          </a:p>
+        </p:txBody>
+      </p:sp>
+    </p:spTree>
+    <p:extLst>
+      <p:ext uri="{BB962C8B-B14F-4D97-AF65-F5344CB8AC3E}">
+        <p14:creationId xmlns:p14="http://schemas.microsoft.com/office/powerpoint/2010/main" val="2600655372"/>
       </p:ext>
     </p:extLst>
   </p:cSld>
@@ -977,29 +1061,54 @@
           <a:bodyPr/>
           <a:lstStyle/>
           <a:p>
-            <a:pPr marL="0" marR="0" indent="0" algn="l" defTabSz="914400" rtl="0" eaLnBrk="1" fontAlgn="auto" latinLnBrk="0" hangingPunct="1">
-              <a:lnSpc>
-                <a:spcPct val="100000"/>
-              </a:lnSpc>
-              <a:spcBef>
-                <a:spcPts val="0"/>
-              </a:spcBef>
-              <a:spcAft>
-                <a:spcPts val="0"/>
-              </a:spcAft>
-              <a:buClrTx/>
-              <a:buSzTx/>
-              <a:buFontTx/>
+            <a:pPr lvl="0">
+              <a:buFont typeface="+mj-lt"/>
               <a:buNone/>
-              <a:tabLst/>
-              <a:defRPr/>
             </a:pPr>
             <a:r>
-              <a:rPr lang="en-US" smtClean="0"/>
-              <a:t>Pre-processing images using PCA is a common approach in object recognition experiments to reduce dimensionality. This can result in vastly reduced computational cost. In our experiments, the results are obtained by reducing the dimensionality of images by projecting data on the first few eigenfaces.</a:t>
-            </a:r>
-          </a:p>
-          <a:p>
+              <a:rPr lang="en-US" sz="1200" smtClean="0"/>
+              <a:t>NCA:</a:t>
+            </a:r>
+            <a:r>
+              <a:rPr lang="en-US" sz="1200" baseline="0" smtClean="0"/>
+              <a:t> </a:t>
+            </a:r>
+            <a:r>
+              <a:rPr lang="en-US" sz="1200" smtClean="0"/>
+              <a:t>Neighborhood component analysis</a:t>
+            </a:r>
+          </a:p>
+          <a:p>
+            <a:pPr lvl="0">
+              <a:buFont typeface="+mj-lt"/>
+              <a:buNone/>
+            </a:pPr>
+            <a:r>
+              <a:rPr lang="en-US" sz="1200" smtClean="0"/>
+              <a:t>LMNN:</a:t>
+            </a:r>
+            <a:r>
+              <a:rPr lang="en-US" sz="1200" baseline="0" smtClean="0"/>
+              <a:t> L</a:t>
+            </a:r>
+            <a:r>
+              <a:rPr lang="en-US" sz="1200" smtClean="0"/>
+              <a:t>arge Margin Nearest Neighbor</a:t>
+            </a:r>
+          </a:p>
+          <a:p>
+            <a:pPr lvl="0">
+              <a:buFont typeface="+mj-lt"/>
+              <a:buNone/>
+            </a:pPr>
+            <a:r>
+              <a:rPr lang="en-US" smtClean="0"/>
+              <a:t>DANN: </a:t>
+            </a:r>
+            <a:r>
+              <a:rPr lang="en-US" sz="1200" smtClean="0"/>
+              <a:t>Discriminative Adaptive Nearest Neighbor</a:t>
+            </a:r>
             <a:endParaRPr lang="en-US"/>
           </a:p>
         </p:txBody>
@@ -1021,7 +1130,7 @@
           <a:p>
             <a:fld id="{B1B799E3-7B79-4750-A540-F3E29E727FAD}" type="slidenum">
               <a:rPr lang="en-US" smtClean="0"/>
-              <a:t>23</a:t>
+              <a:t>19</a:t>
             </a:fld>
             <a:endParaRPr lang="en-US"/>
           </a:p>
@@ -1030,7 +1139,7 @@
     </p:spTree>
     <p:extLst>
       <p:ext uri="{BB962C8B-B14F-4D97-AF65-F5344CB8AC3E}">
-        <p14:creationId xmlns:p14="http://schemas.microsoft.com/office/powerpoint/2010/main" val="694380788"/>
+        <p14:creationId xmlns:p14="http://schemas.microsoft.com/office/powerpoint/2010/main" val="3299203659"/>
       </p:ext>
     </p:extLst>
   </p:cSld>
@@ -1084,22 +1193,29 @@
           <a:bodyPr/>
           <a:lstStyle/>
           <a:p>
-            <a:r>
-              <a:rPr lang="en-US" smtClean="0"/>
-              <a:t>Yalefaces, YalefacesB, AT&amp;T and Caltechfaces were used to study local adaptive SVM performance.</a:t>
-            </a:r>
-          </a:p>
-          <a:p>
-            <a:r>
-              <a:rPr lang="en-US" smtClean="0"/>
-              <a:t>The Yalefaces, YalefacesB and AT&amp;T databases are well-known in face recognition research. Caltechfaces and CaltechfacesB constitute images from the face category in the Caltech-101 object database.</a:t>
-            </a:r>
-          </a:p>
-          <a:p>
-            <a:r>
-              <a:rPr lang="en-US" smtClean="0"/>
-              <a:t>The Caltech-101 face category has 435 images of around 20 people. The Caltechfaces database in table I is based on splitting the Caltech-101 face category into 20 categories, each belonging to a different person. On the other hand, CaltechfacesB in table I is based on splitting the Caltech-101 face category into two classes only: male and female.</a:t>
-            </a:r>
+            <a:pPr marL="0" marR="0" indent="0" algn="l" defTabSz="914400" rtl="0" eaLnBrk="1" fontAlgn="auto" latinLnBrk="0" hangingPunct="1">
+              <a:lnSpc>
+                <a:spcPct val="100000"/>
+              </a:lnSpc>
+              <a:spcBef>
+                <a:spcPts val="0"/>
+              </a:spcBef>
+              <a:spcAft>
+                <a:spcPts val="0"/>
+              </a:spcAft>
+              <a:buClrTx/>
+              <a:buSzTx/>
+              <a:buFontTx/>
+              <a:buNone/>
+              <a:tabLst/>
+              <a:defRPr/>
+            </a:pPr>
+            <a:r>
+              <a:rPr lang="en-US" smtClean="0"/>
+              <a:t>Pre-processing images using PCA is a common approach in object recognition experiments to reduce dimensionality. This can result in vastly reduced computational cost. In our experiments, the results are obtained by reducing the dimensionality of images by projecting data on the first few eigenfaces.</a:t>
+            </a:r>
+          </a:p>
+          <a:p>
             <a:endParaRPr lang="en-US"/>
           </a:p>
         </p:txBody>
@@ -1121,7 +1237,7 @@
           <a:p>
             <a:fld id="{B1B799E3-7B79-4750-A540-F3E29E727FAD}" type="slidenum">
               <a:rPr lang="en-US" smtClean="0"/>
-              <a:t>24</a:t>
+              <a:t>23</a:t>
             </a:fld>
             <a:endParaRPr lang="en-US"/>
           </a:p>
@@ -1130,7 +1246,7 @@
     </p:spTree>
     <p:extLst>
       <p:ext uri="{BB962C8B-B14F-4D97-AF65-F5344CB8AC3E}">
-        <p14:creationId xmlns:p14="http://schemas.microsoft.com/office/powerpoint/2010/main" val="2379405525"/>
+        <p14:creationId xmlns:p14="http://schemas.microsoft.com/office/powerpoint/2010/main" val="694380788"/>
       </p:ext>
     </p:extLst>
   </p:cSld>
@@ -1186,7 +1302,19 @@
           <a:p>
             <a:r>
               <a:rPr lang="en-US" smtClean="0"/>
-              <a:t>Note that all SVM formulations are trained with a Gaussian kernel and a one-versus-all strategy is employed.</a:t>
+              <a:t>Yalefaces, YalefacesB, AT&amp;T and Caltechfaces were used to study local adaptive SVM performance.</a:t>
+            </a:r>
+          </a:p>
+          <a:p>
+            <a:r>
+              <a:rPr lang="en-US" smtClean="0"/>
+              <a:t>The Yalefaces, YalefacesB and AT&amp;T databases are well-known in face recognition research. Caltechfaces and CaltechfacesB constitute images from the face category in the Caltech-101 object database.</a:t>
+            </a:r>
+          </a:p>
+          <a:p>
+            <a:r>
+              <a:rPr lang="en-US" smtClean="0"/>
+              <a:t>The Caltech-101 face category has 435 images of around 20 people. The Caltechfaces database in table I is based on splitting the Caltech-101 face category into 20 categories, each belonging to a different person. On the other hand, CaltechfacesB in table I is based on splitting the Caltech-101 face category into two classes only: male and female.</a:t>
             </a:r>
             <a:endParaRPr lang="en-US"/>
           </a:p>
@@ -1209,7 +1337,7 @@
           <a:p>
             <a:fld id="{B1B799E3-7B79-4750-A540-F3E29E727FAD}" type="slidenum">
               <a:rPr lang="en-US" smtClean="0"/>
-              <a:t>25</a:t>
+              <a:t>24</a:t>
             </a:fld>
             <a:endParaRPr lang="en-US"/>
           </a:p>
@@ -1218,7 +1346,7 @@
     </p:spTree>
     <p:extLst>
       <p:ext uri="{BB962C8B-B14F-4D97-AF65-F5344CB8AC3E}">
-        <p14:creationId xmlns:p14="http://schemas.microsoft.com/office/powerpoint/2010/main" val="1861595058"/>
+        <p14:creationId xmlns:p14="http://schemas.microsoft.com/office/powerpoint/2010/main" val="2379405525"/>
       </p:ext>
     </p:extLst>
   </p:cSld>
@@ -1272,6 +1400,10 @@
           <a:bodyPr/>
           <a:lstStyle/>
           <a:p>
+            <a:r>
+              <a:rPr lang="en-US" smtClean="0"/>
+              <a:t>Note that all SVM formulations are trained with a Gaussian kernel and a one-versus-all strategy is employed.</a:t>
+            </a:r>
             <a:endParaRPr lang="en-US"/>
           </a:p>
         </p:txBody>
@@ -1293,7 +1425,7 @@
           <a:p>
             <a:fld id="{B1B799E3-7B79-4750-A540-F3E29E727FAD}" type="slidenum">
               <a:rPr lang="en-US" smtClean="0"/>
-              <a:t>26</a:t>
+              <a:t>25</a:t>
             </a:fld>
             <a:endParaRPr lang="en-US"/>
           </a:p>
@@ -1302,7 +1434,7 @@
     </p:spTree>
     <p:extLst>
       <p:ext uri="{BB962C8B-B14F-4D97-AF65-F5344CB8AC3E}">
-        <p14:creationId xmlns:p14="http://schemas.microsoft.com/office/powerpoint/2010/main" val="378005320"/>
+        <p14:creationId xmlns:p14="http://schemas.microsoft.com/office/powerpoint/2010/main" val="1861595058"/>
       </p:ext>
     </p:extLst>
   </p:cSld>
@@ -1377,7 +1509,7 @@
           <a:p>
             <a:fld id="{B1B799E3-7B79-4750-A540-F3E29E727FAD}" type="slidenum">
               <a:rPr lang="en-US" smtClean="0"/>
-              <a:t>27</a:t>
+              <a:t>26</a:t>
             </a:fld>
             <a:endParaRPr lang="en-US"/>
           </a:p>
@@ -1386,7 +1518,7 @@
     </p:spTree>
     <p:extLst>
       <p:ext uri="{BB962C8B-B14F-4D97-AF65-F5344CB8AC3E}">
-        <p14:creationId xmlns:p14="http://schemas.microsoft.com/office/powerpoint/2010/main" val="4111367983"/>
+        <p14:creationId xmlns:p14="http://schemas.microsoft.com/office/powerpoint/2010/main" val="378005320"/>
       </p:ext>
     </p:extLst>
   </p:cSld>
@@ -1461,7 +1593,7 @@
           <a:p>
             <a:fld id="{B1B799E3-7B79-4750-A540-F3E29E727FAD}" type="slidenum">
               <a:rPr lang="en-US" smtClean="0"/>
-              <a:t>28</a:t>
+              <a:t>27</a:t>
             </a:fld>
             <a:endParaRPr lang="en-US"/>
           </a:p>
@@ -1470,7 +1602,7 @@
     </p:spTree>
     <p:extLst>
       <p:ext uri="{BB962C8B-B14F-4D97-AF65-F5344CB8AC3E}">
-        <p14:creationId xmlns:p14="http://schemas.microsoft.com/office/powerpoint/2010/main" val="4053799295"/>
+        <p14:creationId xmlns:p14="http://schemas.microsoft.com/office/powerpoint/2010/main" val="4111367983"/>
       </p:ext>
     </p:extLst>
   </p:cSld>
@@ -1545,7 +1677,7 @@
           <a:p>
             <a:fld id="{B1B799E3-7B79-4750-A540-F3E29E727FAD}" type="slidenum">
               <a:rPr lang="en-US" smtClean="0"/>
-              <a:t>29</a:t>
+              <a:t>28</a:t>
             </a:fld>
             <a:endParaRPr lang="en-US"/>
           </a:p>
@@ -1554,7 +1686,7 @@
     </p:spTree>
     <p:extLst>
       <p:ext uri="{BB962C8B-B14F-4D97-AF65-F5344CB8AC3E}">
-        <p14:creationId xmlns:p14="http://schemas.microsoft.com/office/powerpoint/2010/main" val="2600655372"/>
+        <p14:creationId xmlns:p14="http://schemas.microsoft.com/office/powerpoint/2010/main" val="4053799295"/>
       </p:ext>
     </p:extLst>
   </p:cSld>
@@ -5233,23 +5365,7 @@
                   <a:srgbClr val="000000"/>
                 </a:solidFill>
               </a:rPr>
-              <a:t> </a:t>
-            </a:r>
-            <a:r>
-              <a:rPr lang="en-US" sz="1600" b="1" smtClean="0">
-                <a:solidFill>
-                  <a:srgbClr val="000000"/>
-                </a:solidFill>
-              </a:rPr>
-              <a:t>- </a:t>
-            </a:r>
-            <a:r>
-              <a:rPr lang="en-US" sz="1600" b="1" smtClean="0">
-                <a:solidFill>
-                  <a:srgbClr val="000000"/>
-                </a:solidFill>
-              </a:rPr>
-              <a:t>1311058</a:t>
+              <a:t> - 1311058</a:t>
             </a:r>
           </a:p>
           <a:p>
@@ -9844,7 +9960,12 @@
             <p:ph idx="1"/>
           </p:nvPr>
         </p:nvSpPr>
-        <p:spPr/>
+        <p:spPr>
+          <a:xfrm>
+            <a:off x="457200" y="1447800"/>
+            <a:ext cx="8305800" cy="4800600"/>
+          </a:xfrm>
+        </p:spPr>
         <p:txBody>
           <a:bodyPr/>
           <a:lstStyle/>
@@ -9925,7 +10046,7 @@
             </a:r>
             <a:r>
               <a:rPr lang="en-US" smtClean="0"/>
-              <a:t>adaptive eighborhood of the </a:t>
+              <a:t>adaptive neighborhood of the </a:t>
             </a:r>
             <a:r>
               <a:rPr lang="en-US"/>
@@ -17801,7 +17922,12 @@
             <p:ph idx="1"/>
           </p:nvPr>
         </p:nvSpPr>
-        <p:spPr/>
+        <p:spPr>
+          <a:xfrm>
+            <a:off x="457200" y="1447800"/>
+            <a:ext cx="8382000" cy="4800600"/>
+          </a:xfrm>
+        </p:spPr>
         <p:txBody>
           <a:bodyPr/>
           <a:lstStyle/>
@@ -18157,7 +18283,15 @@
             </a:r>
             <a:r>
               <a:rPr lang="en-US"/>
-              <a:t>simple Euclidean distance. Indeeed Zhang et al. </a:t>
+              <a:t>simple Euclidean distance. </a:t>
+            </a:r>
+            <a:r>
+              <a:rPr lang="en-US" smtClean="0"/>
+              <a:t>Indeed </a:t>
+            </a:r>
+            <a:r>
+              <a:rPr lang="en-US"/>
+              <a:t>Zhang et al. </a:t>
             </a:r>
             <a:r>
               <a:rPr lang="en-US" smtClean="0"/>
@@ -19404,8 +19538,8 @@
           </a:p>
         </p:txBody>
       </p:sp>
-      <mc:AlternateContent xmlns:mc="http://schemas.openxmlformats.org/markup-compatibility/2006">
-        <mc:Choice xmlns:a14="http://schemas.microsoft.com/office/drawing/2010/main" Requires="a14">
+      <mc:AlternateContent xmlns:mc="http://schemas.openxmlformats.org/markup-compatibility/2006" xmlns:a14="http://schemas.microsoft.com/office/drawing/2010/main">
+        <mc:Choice Requires="a14">
           <p:sp>
             <p:nvSpPr>
               <p:cNvPr id="3" name="Content Placeholder 2"/>
@@ -21209,7 +21343,7 @@
             </p:txBody>
           </p:sp>
         </mc:Choice>
-        <mc:Fallback>
+        <mc:Fallback xmlns="">
           <p:sp>
             <p:nvSpPr>
               <p:cNvPr id="3" name="Content Placeholder 2"/>
